--- a/01 - The Digital Abstraction/01 - The Digital Abstraction.pptx
+++ b/01 - The Digital Abstraction/01 - The Digital Abstraction.pptx
@@ -5,41 +5,42 @@
     <p:sldMasterId id="2147483659" r:id="rId1"/>
   </p:sldMasterIdLst>
   <p:notesMasterIdLst>
-    <p:notesMasterId r:id="rId17"/>
+    <p:notesMasterId r:id="rId18"/>
   </p:notesMasterIdLst>
   <p:sldIdLst>
     <p:sldId id="256" r:id="rId2"/>
     <p:sldId id="259" r:id="rId3"/>
     <p:sldId id="257" r:id="rId4"/>
-    <p:sldId id="258" r:id="rId5"/>
-    <p:sldId id="260" r:id="rId6"/>
-    <p:sldId id="261" r:id="rId7"/>
-    <p:sldId id="262" r:id="rId8"/>
-    <p:sldId id="263" r:id="rId9"/>
-    <p:sldId id="264" r:id="rId10"/>
-    <p:sldId id="278" r:id="rId11"/>
-    <p:sldId id="279" r:id="rId12"/>
-    <p:sldId id="276" r:id="rId13"/>
-    <p:sldId id="266" r:id="rId14"/>
-    <p:sldId id="265" r:id="rId15"/>
-    <p:sldId id="275" r:id="rId16"/>
+    <p:sldId id="280" r:id="rId5"/>
+    <p:sldId id="258" r:id="rId6"/>
+    <p:sldId id="260" r:id="rId7"/>
+    <p:sldId id="261" r:id="rId8"/>
+    <p:sldId id="262" r:id="rId9"/>
+    <p:sldId id="263" r:id="rId10"/>
+    <p:sldId id="264" r:id="rId11"/>
+    <p:sldId id="278" r:id="rId12"/>
+    <p:sldId id="279" r:id="rId13"/>
+    <p:sldId id="276" r:id="rId14"/>
+    <p:sldId id="266" r:id="rId15"/>
+    <p:sldId id="265" r:id="rId16"/>
+    <p:sldId id="275" r:id="rId17"/>
   </p:sldIdLst>
   <p:sldSz cx="9144000" cy="6858000" type="screen4x3"/>
   <p:notesSz cx="6858000" cy="9144000"/>
   <p:embeddedFontLst>
     <p:embeddedFont>
       <p:font typeface="Economica" panose="02000506040000020004" pitchFamily="2" charset="77"/>
-      <p:regular r:id="rId18"/>
-      <p:bold r:id="rId19"/>
-      <p:italic r:id="rId20"/>
-      <p:boldItalic r:id="rId21"/>
+      <p:regular r:id="rId19"/>
+      <p:bold r:id="rId20"/>
+      <p:italic r:id="rId21"/>
+      <p:boldItalic r:id="rId22"/>
     </p:embeddedFont>
     <p:embeddedFont>
       <p:font typeface="Open Sans" panose="020B0606030504020204" pitchFamily="34" charset="0"/>
-      <p:regular r:id="rId22"/>
-      <p:bold r:id="rId23"/>
-      <p:italic r:id="rId24"/>
-      <p:boldItalic r:id="rId25"/>
+      <p:regular r:id="rId23"/>
+      <p:bold r:id="rId24"/>
+      <p:italic r:id="rId25"/>
+      <p:boldItalic r:id="rId26"/>
     </p:embeddedFont>
   </p:embeddedFontLst>
   <p:defaultTextStyle>
@@ -1844,6 +1845,115 @@
 </p:notes>
 </file>
 
+<file path=ppt/notesSlides/notesSlide10.xml><?xml version="1.0" encoding="utf-8"?>
+<p:notes xmlns:a="http://schemas.openxmlformats.org/drawingml/2006/main" xmlns:r="http://schemas.openxmlformats.org/officeDocument/2006/relationships" xmlns:p="http://schemas.openxmlformats.org/presentationml/2006/main" showMasterSp="0" showMasterPhAnim="0">
+  <p:cSld>
+    <p:spTree>
+      <p:nvGrpSpPr>
+        <p:cNvPr id="1" name="Shape 79"/>
+        <p:cNvGrpSpPr/>
+        <p:nvPr/>
+      </p:nvGrpSpPr>
+      <p:grpSpPr>
+        <a:xfrm>
+          <a:off x="0" y="0"/>
+          <a:ext cx="0" cy="0"/>
+          <a:chOff x="0" y="0"/>
+          <a:chExt cx="0" cy="0"/>
+        </a:xfrm>
+      </p:grpSpPr>
+      <p:sp>
+        <p:nvSpPr>
+          <p:cNvPr id="80" name="Google Shape;80;geed6aedbf_0_0:notes"/>
+          <p:cNvSpPr>
+            <a:spLocks noGrp="1" noRot="1" noChangeAspect="1"/>
+          </p:cNvSpPr>
+          <p:nvPr>
+            <p:ph type="sldImg" idx="2"/>
+          </p:nvPr>
+        </p:nvSpPr>
+        <p:spPr>
+          <a:xfrm>
+            <a:off x="1143000" y="685800"/>
+            <a:ext cx="4572000" cy="3429000"/>
+          </a:xfrm>
+          <a:custGeom>
+            <a:avLst/>
+            <a:gdLst/>
+            <a:ahLst/>
+            <a:cxnLst/>
+            <a:rect l="l" t="t" r="r" b="b"/>
+            <a:pathLst>
+              <a:path w="120000" h="120000" extrusionOk="0">
+                <a:moveTo>
+                  <a:pt x="0" y="0"/>
+                </a:moveTo>
+                <a:lnTo>
+                  <a:pt x="120000" y="0"/>
+                </a:lnTo>
+                <a:lnTo>
+                  <a:pt x="120000" y="120000"/>
+                </a:lnTo>
+                <a:lnTo>
+                  <a:pt x="0" y="120000"/>
+                </a:lnTo>
+                <a:close/>
+              </a:path>
+            </a:pathLst>
+          </a:custGeom>
+        </p:spPr>
+      </p:sp>
+      <p:sp>
+        <p:nvSpPr>
+          <p:cNvPr id="81" name="Google Shape;81;geed6aedbf_0_0:notes"/>
+          <p:cNvSpPr txBox="1">
+            <a:spLocks noGrp="1"/>
+          </p:cNvSpPr>
+          <p:nvPr>
+            <p:ph type="body" idx="1"/>
+          </p:nvPr>
+        </p:nvSpPr>
+        <p:spPr>
+          <a:xfrm>
+            <a:off x="685800" y="4343400"/>
+            <a:ext cx="5486400" cy="4114800"/>
+          </a:xfrm>
+          <a:prstGeom prst="rect">
+            <a:avLst/>
+          </a:prstGeom>
+        </p:spPr>
+        <p:txBody>
+          <a:bodyPr spcFirstLastPara="1" wrap="square" lIns="91425" tIns="91425" rIns="91425" bIns="91425" anchor="t" anchorCtr="0">
+            <a:noAutofit/>
+          </a:bodyPr>
+          <a:lstStyle/>
+          <a:p>
+            <a:pPr marL="0" lvl="0" indent="0" algn="l" rtl="0">
+              <a:spcBef>
+                <a:spcPts val="0"/>
+              </a:spcBef>
+              <a:spcAft>
+                <a:spcPts val="0"/>
+              </a:spcAft>
+              <a:buNone/>
+            </a:pPr>
+            <a:endParaRPr/>
+          </a:p>
+        </p:txBody>
+      </p:sp>
+    </p:spTree>
+    <p:extLst>
+      <p:ext uri="{BB962C8B-B14F-4D97-AF65-F5344CB8AC3E}">
+        <p14:creationId xmlns:p14="http://schemas.microsoft.com/office/powerpoint/2010/main" val="4273786252"/>
+      </p:ext>
+    </p:extLst>
+  </p:cSld>
+  <p:clrMapOvr>
+    <a:masterClrMapping/>
+  </p:clrMapOvr>
+</p:notes>
+</file>
+
 <file path=ppt/notesSlides/notesSlide2.xml><?xml version="1.0" encoding="utf-8"?>
 <p:notes xmlns:a="http://schemas.openxmlformats.org/drawingml/2006/main" xmlns:r="http://schemas.openxmlformats.org/officeDocument/2006/relationships" xmlns:p="http://schemas.openxmlformats.org/presentationml/2006/main" showMasterSp="0" showMasterPhAnim="0">
   <p:cSld>
@@ -1949,6 +2059,133 @@
 </file>
 
 <file path=ppt/notesSlides/notesSlide3.xml><?xml version="1.0" encoding="utf-8"?>
+<p:notes xmlns:a="http://schemas.openxmlformats.org/drawingml/2006/main" xmlns:r="http://schemas.openxmlformats.org/officeDocument/2006/relationships" xmlns:p="http://schemas.openxmlformats.org/presentationml/2006/main" showMasterSp="0" showMasterPhAnim="0">
+  <p:cSld>
+    <p:spTree>
+      <p:nvGrpSpPr>
+        <p:cNvPr id="1" name="Shape 79">
+          <a:extLst>
+            <a:ext uri="{FF2B5EF4-FFF2-40B4-BE49-F238E27FC236}">
+              <a16:creationId xmlns:a16="http://schemas.microsoft.com/office/drawing/2014/main" id="{F792C194-B9EC-BED4-FF59-4E653FFD1F26}"/>
+            </a:ext>
+          </a:extLst>
+        </p:cNvPr>
+        <p:cNvGrpSpPr/>
+        <p:nvPr/>
+      </p:nvGrpSpPr>
+      <p:grpSpPr>
+        <a:xfrm>
+          <a:off x="0" y="0"/>
+          <a:ext cx="0" cy="0"/>
+          <a:chOff x="0" y="0"/>
+          <a:chExt cx="0" cy="0"/>
+        </a:xfrm>
+      </p:grpSpPr>
+      <p:sp>
+        <p:nvSpPr>
+          <p:cNvPr id="80" name="Google Shape;80;geed6aedbf_0_0:notes">
+            <a:extLst>
+              <a:ext uri="{FF2B5EF4-FFF2-40B4-BE49-F238E27FC236}">
+                <a16:creationId xmlns:a16="http://schemas.microsoft.com/office/drawing/2014/main" id="{5D8C3180-76DB-4594-061E-C171EAF9E53B}"/>
+              </a:ext>
+            </a:extLst>
+          </p:cNvPr>
+          <p:cNvSpPr>
+            <a:spLocks noGrp="1" noRot="1" noChangeAspect="1"/>
+          </p:cNvSpPr>
+          <p:nvPr>
+            <p:ph type="sldImg" idx="2"/>
+          </p:nvPr>
+        </p:nvSpPr>
+        <p:spPr>
+          <a:xfrm>
+            <a:off x="1143000" y="685800"/>
+            <a:ext cx="4572000" cy="3429000"/>
+          </a:xfrm>
+          <a:custGeom>
+            <a:avLst/>
+            <a:gdLst/>
+            <a:ahLst/>
+            <a:cxnLst/>
+            <a:rect l="l" t="t" r="r" b="b"/>
+            <a:pathLst>
+              <a:path w="120000" h="120000" extrusionOk="0">
+                <a:moveTo>
+                  <a:pt x="0" y="0"/>
+                </a:moveTo>
+                <a:lnTo>
+                  <a:pt x="120000" y="0"/>
+                </a:lnTo>
+                <a:lnTo>
+                  <a:pt x="120000" y="120000"/>
+                </a:lnTo>
+                <a:lnTo>
+                  <a:pt x="0" y="120000"/>
+                </a:lnTo>
+                <a:close/>
+              </a:path>
+            </a:pathLst>
+          </a:custGeom>
+        </p:spPr>
+      </p:sp>
+      <p:sp>
+        <p:nvSpPr>
+          <p:cNvPr id="81" name="Google Shape;81;geed6aedbf_0_0:notes">
+            <a:extLst>
+              <a:ext uri="{FF2B5EF4-FFF2-40B4-BE49-F238E27FC236}">
+                <a16:creationId xmlns:a16="http://schemas.microsoft.com/office/drawing/2014/main" id="{F6FE223E-079C-6253-65DB-51980AF74541}"/>
+              </a:ext>
+            </a:extLst>
+          </p:cNvPr>
+          <p:cNvSpPr txBox="1">
+            <a:spLocks noGrp="1"/>
+          </p:cNvSpPr>
+          <p:nvPr>
+            <p:ph type="body" idx="1"/>
+          </p:nvPr>
+        </p:nvSpPr>
+        <p:spPr>
+          <a:xfrm>
+            <a:off x="685800" y="4343400"/>
+            <a:ext cx="5486400" cy="4114800"/>
+          </a:xfrm>
+          <a:prstGeom prst="rect">
+            <a:avLst/>
+          </a:prstGeom>
+        </p:spPr>
+        <p:txBody>
+          <a:bodyPr spcFirstLastPara="1" wrap="square" lIns="91425" tIns="91425" rIns="91425" bIns="91425" anchor="t" anchorCtr="0">
+            <a:noAutofit/>
+          </a:bodyPr>
+          <a:lstStyle/>
+          <a:p>
+            <a:pPr marL="0" lvl="0" indent="0" algn="l" rtl="0">
+              <a:spcBef>
+                <a:spcPts val="0"/>
+              </a:spcBef>
+              <a:spcAft>
+                <a:spcPts val="0"/>
+              </a:spcAft>
+              <a:buNone/>
+            </a:pPr>
+            <a:endParaRPr/>
+          </a:p>
+        </p:txBody>
+      </p:sp>
+    </p:spTree>
+    <p:extLst>
+      <p:ext uri="{BB962C8B-B14F-4D97-AF65-F5344CB8AC3E}">
+        <p14:creationId xmlns:p14="http://schemas.microsoft.com/office/powerpoint/2010/main" val="3966133530"/>
+      </p:ext>
+    </p:extLst>
+  </p:cSld>
+  <p:clrMapOvr>
+    <a:masterClrMapping/>
+  </p:clrMapOvr>
+</p:notes>
+</file>
+
+<file path=ppt/notesSlides/notesSlide4.xml><?xml version="1.0" encoding="utf-8"?>
 <p:notes xmlns:a="http://schemas.openxmlformats.org/drawingml/2006/main" xmlns:r="http://schemas.openxmlformats.org/officeDocument/2006/relationships" xmlns:p="http://schemas.openxmlformats.org/presentationml/2006/main">
   <p:cSld>
     <p:spTree>
@@ -2005,115 +2242,6 @@
     <p:extLst>
       <p:ext uri="{BB962C8B-B14F-4D97-AF65-F5344CB8AC3E}">
         <p14:creationId xmlns:p14="http://schemas.microsoft.com/office/powerpoint/2010/main" val="999963813"/>
-      </p:ext>
-    </p:extLst>
-  </p:cSld>
-  <p:clrMapOvr>
-    <a:masterClrMapping/>
-  </p:clrMapOvr>
-</p:notes>
-</file>
-
-<file path=ppt/notesSlides/notesSlide4.xml><?xml version="1.0" encoding="utf-8"?>
-<p:notes xmlns:a="http://schemas.openxmlformats.org/drawingml/2006/main" xmlns:r="http://schemas.openxmlformats.org/officeDocument/2006/relationships" xmlns:p="http://schemas.openxmlformats.org/presentationml/2006/main" showMasterSp="0" showMasterPhAnim="0">
-  <p:cSld>
-    <p:spTree>
-      <p:nvGrpSpPr>
-        <p:cNvPr id="1" name="Shape 79"/>
-        <p:cNvGrpSpPr/>
-        <p:nvPr/>
-      </p:nvGrpSpPr>
-      <p:grpSpPr>
-        <a:xfrm>
-          <a:off x="0" y="0"/>
-          <a:ext cx="0" cy="0"/>
-          <a:chOff x="0" y="0"/>
-          <a:chExt cx="0" cy="0"/>
-        </a:xfrm>
-      </p:grpSpPr>
-      <p:sp>
-        <p:nvSpPr>
-          <p:cNvPr id="80" name="Google Shape;80;geed6aedbf_0_0:notes"/>
-          <p:cNvSpPr>
-            <a:spLocks noGrp="1" noRot="1" noChangeAspect="1"/>
-          </p:cNvSpPr>
-          <p:nvPr>
-            <p:ph type="sldImg" idx="2"/>
-          </p:nvPr>
-        </p:nvSpPr>
-        <p:spPr>
-          <a:xfrm>
-            <a:off x="1143000" y="685800"/>
-            <a:ext cx="4572000" cy="3429000"/>
-          </a:xfrm>
-          <a:custGeom>
-            <a:avLst/>
-            <a:gdLst/>
-            <a:ahLst/>
-            <a:cxnLst/>
-            <a:rect l="l" t="t" r="r" b="b"/>
-            <a:pathLst>
-              <a:path w="120000" h="120000" extrusionOk="0">
-                <a:moveTo>
-                  <a:pt x="0" y="0"/>
-                </a:moveTo>
-                <a:lnTo>
-                  <a:pt x="120000" y="0"/>
-                </a:lnTo>
-                <a:lnTo>
-                  <a:pt x="120000" y="120000"/>
-                </a:lnTo>
-                <a:lnTo>
-                  <a:pt x="0" y="120000"/>
-                </a:lnTo>
-                <a:close/>
-              </a:path>
-            </a:pathLst>
-          </a:custGeom>
-        </p:spPr>
-      </p:sp>
-      <p:sp>
-        <p:nvSpPr>
-          <p:cNvPr id="81" name="Google Shape;81;geed6aedbf_0_0:notes"/>
-          <p:cNvSpPr txBox="1">
-            <a:spLocks noGrp="1"/>
-          </p:cNvSpPr>
-          <p:nvPr>
-            <p:ph type="body" idx="1"/>
-          </p:nvPr>
-        </p:nvSpPr>
-        <p:spPr>
-          <a:xfrm>
-            <a:off x="685800" y="4343400"/>
-            <a:ext cx="5486400" cy="4114800"/>
-          </a:xfrm>
-          <a:prstGeom prst="rect">
-            <a:avLst/>
-          </a:prstGeom>
-        </p:spPr>
-        <p:txBody>
-          <a:bodyPr spcFirstLastPara="1" wrap="square" lIns="91425" tIns="91425" rIns="91425" bIns="91425" anchor="t" anchorCtr="0">
-            <a:noAutofit/>
-          </a:bodyPr>
-          <a:lstStyle/>
-          <a:p>
-            <a:pPr marL="0" lvl="0" indent="0" algn="l" rtl="0">
-              <a:spcBef>
-                <a:spcPts val="0"/>
-              </a:spcBef>
-              <a:spcAft>
-                <a:spcPts val="0"/>
-              </a:spcAft>
-              <a:buNone/>
-            </a:pPr>
-            <a:endParaRPr/>
-          </a:p>
-        </p:txBody>
-      </p:sp>
-    </p:spTree>
-    <p:extLst>
-      <p:ext uri="{BB962C8B-B14F-4D97-AF65-F5344CB8AC3E}">
-        <p14:creationId xmlns:p14="http://schemas.microsoft.com/office/powerpoint/2010/main" val="3773940555"/>
       </p:ext>
     </p:extLst>
   </p:cSld>
@@ -2222,7 +2350,7 @@
     </p:spTree>
     <p:extLst>
       <p:ext uri="{BB962C8B-B14F-4D97-AF65-F5344CB8AC3E}">
-        <p14:creationId xmlns:p14="http://schemas.microsoft.com/office/powerpoint/2010/main" val="1520363186"/>
+        <p14:creationId xmlns:p14="http://schemas.microsoft.com/office/powerpoint/2010/main" val="3773940555"/>
       </p:ext>
     </p:extLst>
   </p:cSld>
@@ -2331,7 +2459,7 @@
     </p:spTree>
     <p:extLst>
       <p:ext uri="{BB962C8B-B14F-4D97-AF65-F5344CB8AC3E}">
-        <p14:creationId xmlns:p14="http://schemas.microsoft.com/office/powerpoint/2010/main" val="2859740529"/>
+        <p14:creationId xmlns:p14="http://schemas.microsoft.com/office/powerpoint/2010/main" val="1520363186"/>
       </p:ext>
     </p:extLst>
   </p:cSld>
@@ -2440,7 +2568,7 @@
     </p:spTree>
     <p:extLst>
       <p:ext uri="{BB962C8B-B14F-4D97-AF65-F5344CB8AC3E}">
-        <p14:creationId xmlns:p14="http://schemas.microsoft.com/office/powerpoint/2010/main" val="3576441910"/>
+        <p14:creationId xmlns:p14="http://schemas.microsoft.com/office/powerpoint/2010/main" val="2859740529"/>
       </p:ext>
     </p:extLst>
   </p:cSld>
@@ -2549,7 +2677,7 @@
     </p:spTree>
     <p:extLst>
       <p:ext uri="{BB962C8B-B14F-4D97-AF65-F5344CB8AC3E}">
-        <p14:creationId xmlns:p14="http://schemas.microsoft.com/office/powerpoint/2010/main" val="4218161732"/>
+        <p14:creationId xmlns:p14="http://schemas.microsoft.com/office/powerpoint/2010/main" val="3576441910"/>
       </p:ext>
     </p:extLst>
   </p:cSld>
@@ -2658,7 +2786,7 @@
     </p:spTree>
     <p:extLst>
       <p:ext uri="{BB962C8B-B14F-4D97-AF65-F5344CB8AC3E}">
-        <p14:creationId xmlns:p14="http://schemas.microsoft.com/office/powerpoint/2010/main" val="4273786252"/>
+        <p14:creationId xmlns:p14="http://schemas.microsoft.com/office/powerpoint/2010/main" val="4218161732"/>
       </p:ext>
     </p:extLst>
   </p:cSld>
@@ -7871,6 +7999,456 @@
             </a:pPr>
             <a:r>
               <a:rPr lang="en-GB" dirty="0"/>
+              <a:t>Digitalization (2)</a:t>
+            </a:r>
+            <a:endParaRPr dirty="0"/>
+          </a:p>
+        </p:txBody>
+      </p:sp>
+      <p:sp>
+        <p:nvSpPr>
+          <p:cNvPr id="84" name="Google Shape;84;p14"/>
+          <p:cNvSpPr txBox="1">
+            <a:spLocks noGrp="1"/>
+          </p:cNvSpPr>
+          <p:nvPr>
+            <p:ph type="body" idx="1"/>
+          </p:nvPr>
+        </p:nvSpPr>
+        <p:spPr>
+          <a:xfrm>
+            <a:off x="162750" y="1119550"/>
+            <a:ext cx="8818500" cy="5317217"/>
+          </a:xfrm>
+          <a:prstGeom prst="rect">
+            <a:avLst/>
+          </a:prstGeom>
+        </p:spPr>
+        <p:txBody>
+          <a:bodyPr spcFirstLastPara="1" wrap="square" lIns="91425" tIns="91425" rIns="91425" bIns="91425" anchor="t" anchorCtr="0">
+            <a:noAutofit/>
+          </a:bodyPr>
+          <a:lstStyle/>
+          <a:p>
+            <a:endParaRPr lang="en-GB" dirty="0"/>
+          </a:p>
+          <a:p>
+            <a:pPr lvl="0"/>
+            <a:endParaRPr lang="en-GB" dirty="0"/>
+          </a:p>
+        </p:txBody>
+      </p:sp>
+      <p:sp>
+        <p:nvSpPr>
+          <p:cNvPr id="4" name="Google Shape;84;p14">
+            <a:extLst>
+              <a:ext uri="{FF2B5EF4-FFF2-40B4-BE49-F238E27FC236}">
+                <a16:creationId xmlns:a16="http://schemas.microsoft.com/office/drawing/2014/main" id="{F4D09BBD-B357-6547-1869-C5A2382FCC8B}"/>
+              </a:ext>
+            </a:extLst>
+          </p:cNvPr>
+          <p:cNvSpPr txBox="1">
+            <a:spLocks/>
+          </p:cNvSpPr>
+          <p:nvPr/>
+        </p:nvSpPr>
+        <p:spPr>
+          <a:xfrm>
+            <a:off x="311700" y="1043733"/>
+            <a:ext cx="8818500" cy="5317217"/>
+          </a:xfrm>
+          <a:prstGeom prst="rect">
+            <a:avLst/>
+          </a:prstGeom>
+          <a:noFill/>
+          <a:ln>
+            <a:noFill/>
+          </a:ln>
+        </p:spPr>
+        <p:txBody>
+          <a:bodyPr spcFirstLastPara="1" wrap="square" lIns="91425" tIns="91425" rIns="91425" bIns="91425" anchor="t" anchorCtr="0">
+            <a:noAutofit/>
+          </a:bodyPr>
+          <a:lstStyle>
+            <a:defPPr marR="0" lvl="0" algn="l" rtl="0">
+              <a:lnSpc>
+                <a:spcPct val="100000"/>
+              </a:lnSpc>
+              <a:spcBef>
+                <a:spcPts val="0"/>
+              </a:spcBef>
+              <a:spcAft>
+                <a:spcPts val="0"/>
+              </a:spcAft>
+            </a:defPPr>
+            <a:lvl1pPr marL="457200" marR="0" lvl="0" indent="-336550" algn="l" rtl="0">
+              <a:lnSpc>
+                <a:spcPct val="115000"/>
+              </a:lnSpc>
+              <a:spcBef>
+                <a:spcPts val="0"/>
+              </a:spcBef>
+              <a:spcAft>
+                <a:spcPts val="0"/>
+              </a:spcAft>
+              <a:buClr>
+                <a:schemeClr val="dk1"/>
+              </a:buClr>
+              <a:buSzPts val="1700"/>
+              <a:buFont typeface="Open Sans"/>
+              <a:buChar char="●"/>
+              <a:defRPr sz="1700" b="0" i="0" u="none" strike="noStrike" cap="none">
+                <a:solidFill>
+                  <a:schemeClr val="dk1"/>
+                </a:solidFill>
+                <a:latin typeface="Open Sans"/>
+                <a:ea typeface="Open Sans"/>
+                <a:cs typeface="Open Sans"/>
+                <a:sym typeface="Open Sans"/>
+              </a:defRPr>
+            </a:lvl1pPr>
+            <a:lvl2pPr marL="914400" marR="0" lvl="1" indent="-323850" algn="l" rtl="0">
+              <a:lnSpc>
+                <a:spcPct val="115000"/>
+              </a:lnSpc>
+              <a:spcBef>
+                <a:spcPts val="1600"/>
+              </a:spcBef>
+              <a:spcAft>
+                <a:spcPts val="0"/>
+              </a:spcAft>
+              <a:buClr>
+                <a:schemeClr val="dk1"/>
+              </a:buClr>
+              <a:buSzPts val="1500"/>
+              <a:buFont typeface="Open Sans"/>
+              <a:buChar char="○"/>
+              <a:defRPr sz="1500" b="0" i="0" u="none" strike="noStrike" cap="none">
+                <a:solidFill>
+                  <a:schemeClr val="dk1"/>
+                </a:solidFill>
+                <a:latin typeface="Open Sans"/>
+                <a:ea typeface="Open Sans"/>
+                <a:cs typeface="Open Sans"/>
+                <a:sym typeface="Open Sans"/>
+              </a:defRPr>
+            </a:lvl2pPr>
+            <a:lvl3pPr marL="1371600" marR="0" lvl="2" indent="-317500" algn="l" rtl="0">
+              <a:lnSpc>
+                <a:spcPct val="115000"/>
+              </a:lnSpc>
+              <a:spcBef>
+                <a:spcPts val="1600"/>
+              </a:spcBef>
+              <a:spcAft>
+                <a:spcPts val="0"/>
+              </a:spcAft>
+              <a:buClr>
+                <a:schemeClr val="dk1"/>
+              </a:buClr>
+              <a:buSzPts val="1400"/>
+              <a:buFont typeface="Open Sans"/>
+              <a:buChar char="■"/>
+              <a:defRPr sz="1400" b="0" i="0" u="none" strike="noStrike" cap="none">
+                <a:solidFill>
+                  <a:schemeClr val="dk1"/>
+                </a:solidFill>
+                <a:latin typeface="Open Sans"/>
+                <a:ea typeface="Open Sans"/>
+                <a:cs typeface="Open Sans"/>
+                <a:sym typeface="Open Sans"/>
+              </a:defRPr>
+            </a:lvl3pPr>
+            <a:lvl4pPr marL="1828800" marR="0" lvl="3" indent="-304800" algn="l" rtl="0">
+              <a:lnSpc>
+                <a:spcPct val="115000"/>
+              </a:lnSpc>
+              <a:spcBef>
+                <a:spcPts val="1600"/>
+              </a:spcBef>
+              <a:spcAft>
+                <a:spcPts val="0"/>
+              </a:spcAft>
+              <a:buClr>
+                <a:schemeClr val="dk1"/>
+              </a:buClr>
+              <a:buSzPts val="1200"/>
+              <a:buFont typeface="Open Sans"/>
+              <a:buChar char="●"/>
+              <a:defRPr sz="1200" b="0" i="0" u="none" strike="noStrike" cap="none">
+                <a:solidFill>
+                  <a:schemeClr val="dk1"/>
+                </a:solidFill>
+                <a:latin typeface="Open Sans"/>
+                <a:ea typeface="Open Sans"/>
+                <a:cs typeface="Open Sans"/>
+                <a:sym typeface="Open Sans"/>
+              </a:defRPr>
+            </a:lvl4pPr>
+            <a:lvl5pPr marL="2286000" marR="0" lvl="4" indent="-292100" algn="l" rtl="0">
+              <a:lnSpc>
+                <a:spcPct val="115000"/>
+              </a:lnSpc>
+              <a:spcBef>
+                <a:spcPts val="1600"/>
+              </a:spcBef>
+              <a:spcAft>
+                <a:spcPts val="0"/>
+              </a:spcAft>
+              <a:buClr>
+                <a:schemeClr val="dk1"/>
+              </a:buClr>
+              <a:buSzPts val="1000"/>
+              <a:buFont typeface="Open Sans"/>
+              <a:buChar char="○"/>
+              <a:defRPr sz="1000" b="0" i="0" u="none" strike="noStrike" cap="none">
+                <a:solidFill>
+                  <a:schemeClr val="dk1"/>
+                </a:solidFill>
+                <a:latin typeface="Open Sans"/>
+                <a:ea typeface="Open Sans"/>
+                <a:cs typeface="Open Sans"/>
+                <a:sym typeface="Open Sans"/>
+              </a:defRPr>
+            </a:lvl5pPr>
+            <a:lvl6pPr marL="2743200" marR="0" lvl="5" indent="-292100" algn="l" rtl="0">
+              <a:lnSpc>
+                <a:spcPct val="115000"/>
+              </a:lnSpc>
+              <a:spcBef>
+                <a:spcPts val="1600"/>
+              </a:spcBef>
+              <a:spcAft>
+                <a:spcPts val="0"/>
+              </a:spcAft>
+              <a:buClr>
+                <a:schemeClr val="dk1"/>
+              </a:buClr>
+              <a:buSzPts val="1000"/>
+              <a:buFont typeface="Open Sans"/>
+              <a:buChar char="■"/>
+              <a:defRPr sz="1000" b="0" i="0" u="none" strike="noStrike" cap="none">
+                <a:solidFill>
+                  <a:schemeClr val="dk1"/>
+                </a:solidFill>
+                <a:latin typeface="Open Sans"/>
+                <a:ea typeface="Open Sans"/>
+                <a:cs typeface="Open Sans"/>
+                <a:sym typeface="Open Sans"/>
+              </a:defRPr>
+            </a:lvl6pPr>
+            <a:lvl7pPr marL="3200400" marR="0" lvl="6" indent="-292100" algn="l" rtl="0">
+              <a:lnSpc>
+                <a:spcPct val="115000"/>
+              </a:lnSpc>
+              <a:spcBef>
+                <a:spcPts val="1600"/>
+              </a:spcBef>
+              <a:spcAft>
+                <a:spcPts val="0"/>
+              </a:spcAft>
+              <a:buClr>
+                <a:schemeClr val="dk1"/>
+              </a:buClr>
+              <a:buSzPts val="1000"/>
+              <a:buFont typeface="Open Sans"/>
+              <a:buChar char="●"/>
+              <a:defRPr sz="1000" b="0" i="0" u="none" strike="noStrike" cap="none">
+                <a:solidFill>
+                  <a:schemeClr val="dk1"/>
+                </a:solidFill>
+                <a:latin typeface="Open Sans"/>
+                <a:ea typeface="Open Sans"/>
+                <a:cs typeface="Open Sans"/>
+                <a:sym typeface="Open Sans"/>
+              </a:defRPr>
+            </a:lvl7pPr>
+            <a:lvl8pPr marL="3657600" marR="0" lvl="7" indent="-292100" algn="l" rtl="0">
+              <a:lnSpc>
+                <a:spcPct val="115000"/>
+              </a:lnSpc>
+              <a:spcBef>
+                <a:spcPts val="1600"/>
+              </a:spcBef>
+              <a:spcAft>
+                <a:spcPts val="0"/>
+              </a:spcAft>
+              <a:buClr>
+                <a:schemeClr val="dk1"/>
+              </a:buClr>
+              <a:buSzPts val="1000"/>
+              <a:buFont typeface="Open Sans"/>
+              <a:buChar char="○"/>
+              <a:defRPr sz="1000" b="0" i="0" u="none" strike="noStrike" cap="none">
+                <a:solidFill>
+                  <a:schemeClr val="dk1"/>
+                </a:solidFill>
+                <a:latin typeface="Open Sans"/>
+                <a:ea typeface="Open Sans"/>
+                <a:cs typeface="Open Sans"/>
+                <a:sym typeface="Open Sans"/>
+              </a:defRPr>
+            </a:lvl8pPr>
+            <a:lvl9pPr marL="4114800" marR="0" lvl="8" indent="-292100" algn="l" rtl="0">
+              <a:lnSpc>
+                <a:spcPct val="115000"/>
+              </a:lnSpc>
+              <a:spcBef>
+                <a:spcPts val="1600"/>
+              </a:spcBef>
+              <a:spcAft>
+                <a:spcPts val="1600"/>
+              </a:spcAft>
+              <a:buClr>
+                <a:schemeClr val="dk1"/>
+              </a:buClr>
+              <a:buSzPts val="1000"/>
+              <a:buFont typeface="Open Sans"/>
+              <a:buChar char="■"/>
+              <a:defRPr sz="1000" b="0" i="0" u="none" strike="noStrike" cap="none">
+                <a:solidFill>
+                  <a:schemeClr val="dk1"/>
+                </a:solidFill>
+                <a:latin typeface="Open Sans"/>
+                <a:ea typeface="Open Sans"/>
+                <a:cs typeface="Open Sans"/>
+                <a:sym typeface="Open Sans"/>
+              </a:defRPr>
+            </a:lvl9pPr>
+          </a:lstStyle>
+          <a:p>
+            <a:pPr marL="120650" indent="0">
+              <a:spcBef>
+                <a:spcPts val="600"/>
+              </a:spcBef>
+              <a:buNone/>
+            </a:pPr>
+            <a:endParaRPr lang="en-GB" dirty="0"/>
+          </a:p>
+          <a:p>
+            <a:endParaRPr lang="en-GB" dirty="0"/>
+          </a:p>
+          <a:p>
+            <a:endParaRPr lang="en-GB" dirty="0"/>
+          </a:p>
+          <a:p>
+            <a:endParaRPr lang="en-GB" dirty="0"/>
+          </a:p>
+        </p:txBody>
+      </p:sp>
+      <p:pic>
+        <p:nvPicPr>
+          <p:cNvPr id="3074" name="Picture 2" descr="Interrelations between analog, discrete and digital signals">
+            <a:extLst>
+              <a:ext uri="{FF2B5EF4-FFF2-40B4-BE49-F238E27FC236}">
+                <a16:creationId xmlns:a16="http://schemas.microsoft.com/office/drawing/2014/main" id="{9CA02893-40B1-CBA3-7B52-7B9773D440DD}"/>
+              </a:ext>
+            </a:extLst>
+          </p:cNvPr>
+          <p:cNvPicPr>
+            <a:picLocks noChangeAspect="1" noChangeArrowheads="1"/>
+          </p:cNvPicPr>
+          <p:nvPr/>
+        </p:nvPicPr>
+        <p:blipFill>
+          <a:blip r:embed="rId3">
+            <a:extLst>
+              <a:ext uri="{28A0092B-C50C-407E-A947-70E740481C1C}">
+                <a14:useLocalDpi xmlns:a14="http://schemas.microsoft.com/office/drawing/2010/main" val="0"/>
+              </a:ext>
+            </a:extLst>
+          </a:blip>
+          <a:srcRect/>
+          <a:stretch>
+            <a:fillRect/>
+          </a:stretch>
+        </p:blipFill>
+        <p:spPr bwMode="auto">
+          <a:xfrm>
+            <a:off x="731520" y="1077978"/>
+            <a:ext cx="6892834" cy="5100698"/>
+          </a:xfrm>
+          <a:prstGeom prst="rect">
+            <a:avLst/>
+          </a:prstGeom>
+          <a:noFill/>
+          <a:extLst>
+            <a:ext uri="{909E8E84-426E-40DD-AFC4-6F175D3DCCD1}">
+              <a14:hiddenFill xmlns:a14="http://schemas.microsoft.com/office/drawing/2010/main">
+                <a:solidFill>
+                  <a:srgbClr val="FFFFFF"/>
+                </a:solidFill>
+              </a14:hiddenFill>
+            </a:ext>
+          </a:extLst>
+        </p:spPr>
+      </p:pic>
+    </p:spTree>
+    <p:extLst>
+      <p:ext uri="{BB962C8B-B14F-4D97-AF65-F5344CB8AC3E}">
+        <p14:creationId xmlns:p14="http://schemas.microsoft.com/office/powerpoint/2010/main" val="2113557187"/>
+      </p:ext>
+    </p:extLst>
+  </p:cSld>
+  <p:clrMapOvr>
+    <a:masterClrMapping/>
+  </p:clrMapOvr>
+</p:sld>
+</file>
+
+<file path=ppt/slides/slide11.xml><?xml version="1.0" encoding="utf-8"?>
+<p:sld xmlns:a="http://schemas.openxmlformats.org/drawingml/2006/main" xmlns:r="http://schemas.openxmlformats.org/officeDocument/2006/relationships" xmlns:p="http://schemas.openxmlformats.org/presentationml/2006/main">
+  <p:cSld>
+    <p:spTree>
+      <p:nvGrpSpPr>
+        <p:cNvPr id="1" name="Shape 82"/>
+        <p:cNvGrpSpPr/>
+        <p:nvPr/>
+      </p:nvGrpSpPr>
+      <p:grpSpPr>
+        <a:xfrm>
+          <a:off x="0" y="0"/>
+          <a:ext cx="0" cy="0"/>
+          <a:chOff x="0" y="0"/>
+          <a:chExt cx="0" cy="0"/>
+        </a:xfrm>
+      </p:grpSpPr>
+      <p:sp>
+        <p:nvSpPr>
+          <p:cNvPr id="83" name="Google Shape;83;p14"/>
+          <p:cNvSpPr txBox="1">
+            <a:spLocks noGrp="1"/>
+          </p:cNvSpPr>
+          <p:nvPr>
+            <p:ph type="title" idx="4294967295"/>
+          </p:nvPr>
+        </p:nvSpPr>
+        <p:spPr>
+          <a:xfrm>
+            <a:off x="311700" y="421233"/>
+            <a:ext cx="8520600" cy="622500"/>
+          </a:xfrm>
+          <a:prstGeom prst="rect">
+            <a:avLst/>
+          </a:prstGeom>
+        </p:spPr>
+        <p:txBody>
+          <a:bodyPr spcFirstLastPara="1" wrap="square" lIns="91425" tIns="91425" rIns="91425" bIns="91425" anchor="b" anchorCtr="0">
+            <a:noAutofit/>
+          </a:bodyPr>
+          <a:lstStyle/>
+          <a:p>
+            <a:pPr marL="0" lvl="0" indent="0" algn="l" rtl="0">
+              <a:spcBef>
+                <a:spcPts val="0"/>
+              </a:spcBef>
+              <a:spcAft>
+                <a:spcPts val="0"/>
+              </a:spcAft>
+              <a:buNone/>
+            </a:pPr>
+            <a:r>
+              <a:rPr lang="en-GB" dirty="0"/>
               <a:t>Sampling</a:t>
             </a:r>
             <a:endParaRPr dirty="0"/>
@@ -8731,7 +9309,7 @@
 </p:sld>
 </file>
 
-<file path=ppt/slides/slide11.xml><?xml version="1.0" encoding="utf-8"?>
+<file path=ppt/slides/slide12.xml><?xml version="1.0" encoding="utf-8"?>
 <p:sld xmlns:a="http://schemas.openxmlformats.org/drawingml/2006/main" xmlns:r="http://schemas.openxmlformats.org/officeDocument/2006/relationships" xmlns:p="http://schemas.openxmlformats.org/presentationml/2006/main">
   <p:cSld>
     <p:spTree>
@@ -9651,7 +10229,7 @@
 </p:sld>
 </file>
 
-<file path=ppt/slides/slide12.xml><?xml version="1.0" encoding="utf-8"?>
+<file path=ppt/slides/slide13.xml><?xml version="1.0" encoding="utf-8"?>
 <p:sld xmlns:a="http://schemas.openxmlformats.org/drawingml/2006/main" xmlns:r="http://schemas.openxmlformats.org/officeDocument/2006/relationships" xmlns:p="http://schemas.openxmlformats.org/presentationml/2006/main">
   <p:cSld>
     <p:spTree>
@@ -10198,7 +10776,7 @@
 </p:sld>
 </file>
 
-<file path=ppt/slides/slide13.xml><?xml version="1.0" encoding="utf-8"?>
+<file path=ppt/slides/slide14.xml><?xml version="1.0" encoding="utf-8"?>
 <p:sld xmlns:a="http://schemas.openxmlformats.org/drawingml/2006/main" xmlns:r="http://schemas.openxmlformats.org/officeDocument/2006/relationships" xmlns:p="http://schemas.openxmlformats.org/presentationml/2006/main">
   <p:cSld>
     <p:spTree>
@@ -10625,7 +11203,7 @@
 </p:sld>
 </file>
 
-<file path=ppt/slides/slide14.xml><?xml version="1.0" encoding="utf-8"?>
+<file path=ppt/slides/slide15.xml><?xml version="1.0" encoding="utf-8"?>
 <p:sld xmlns:a="http://schemas.openxmlformats.org/drawingml/2006/main" xmlns:r="http://schemas.openxmlformats.org/officeDocument/2006/relationships" xmlns:p="http://schemas.openxmlformats.org/presentationml/2006/main">
   <p:cSld>
     <p:spTree>
@@ -10862,7 +11440,7 @@
 </p:sld>
 </file>
 
-<file path=ppt/slides/slide15.xml><?xml version="1.0" encoding="utf-8"?>
+<file path=ppt/slides/slide16.xml><?xml version="1.0" encoding="utf-8"?>
 <p:sld xmlns:a="http://schemas.openxmlformats.org/drawingml/2006/main" xmlns:r="http://schemas.openxmlformats.org/officeDocument/2006/relationships" xmlns:p="http://schemas.openxmlformats.org/presentationml/2006/main">
   <p:cSld>
     <p:spTree>
@@ -11314,7 +11892,7 @@
             </a:pPr>
             <a:r>
               <a:rPr lang="en-GB" dirty="0"/>
-              <a:t>Complexity</a:t>
+              <a:t>Complexity (1)</a:t>
             </a:r>
             <a:endParaRPr dirty="0"/>
           </a:p>
@@ -11332,7 +11910,7 @@
         </p:nvSpPr>
         <p:spPr>
           <a:xfrm>
-            <a:off x="162750" y="1452234"/>
+            <a:off x="162750" y="1043733"/>
             <a:ext cx="8818500" cy="4415906"/>
           </a:xfrm>
           <a:prstGeom prst="rect">
@@ -11363,6 +11941,17 @@
             </a:pPr>
             <a:r>
               <a:rPr lang="en-GB" dirty="0"/>
+              <a:t>an electronic circuit that acts as the brain of a computer. It performs arithmetic, logic, control, and input/output (I/O) operations by following instructions in a program. </a:t>
+            </a:r>
+          </a:p>
+          <a:p>
+            <a:pPr lvl="1">
+              <a:spcBef>
+                <a:spcPts val="600"/>
+              </a:spcBef>
+            </a:pPr>
+            <a:r>
+              <a:rPr lang="en-GB" dirty="0"/>
               <a:t>laptop computers today have far more capability than a room-sized mainframe of yesteryear	</a:t>
             </a:r>
           </a:p>
@@ -11406,13 +11995,19 @@
             </a:r>
             <a:r>
               <a:rPr lang="en-GB" dirty="0"/>
-              <a:t>are built from </a:t>
+              <a:t>are being built from </a:t>
             </a:r>
             <a:r>
               <a:rPr lang="en-GB" b="1" dirty="0"/>
               <a:t>millions or billions of transistors</a:t>
             </a:r>
-            <a:endParaRPr lang="en-GB" dirty="0"/>
+          </a:p>
+          <a:p>
+            <a:pPr lvl="1"/>
+            <a:r>
+              <a:rPr lang="en-GB" dirty="0"/>
+              <a:t>a tiny electronic component that can act as a switch (or an amplifier). It controls the flow of electrical current in a circuit and is the building block of electronics</a:t>
+            </a:r>
           </a:p>
           <a:p>
             <a:pPr lvl="1">
@@ -11422,7 +12017,7 @@
             </a:pPr>
             <a:r>
               <a:rPr lang="en-GB" dirty="0"/>
-              <a:t>no human being could understand these systems by writing equations describing the movement of electrons in each transistor and solving all of the equations simultaneously</a:t>
+              <a:t>no human could understand these systems by writing equations describing the movement of electrons in each transistor and solving all of the equations simultaneously</a:t>
             </a:r>
           </a:p>
           <a:p>
@@ -11446,6 +12041,36 @@
           </a:p>
         </p:txBody>
       </p:sp>
+      <p:pic>
+        <p:nvPicPr>
+          <p:cNvPr id="3" name="Immagine 2" descr="Immagine che contiene mappa, cerchio&#10;&#10;Descrizione generata automaticamente">
+            <a:extLst>
+              <a:ext uri="{FF2B5EF4-FFF2-40B4-BE49-F238E27FC236}">
+                <a16:creationId xmlns:a16="http://schemas.microsoft.com/office/drawing/2014/main" id="{75855A84-E901-2411-5EAA-D3ECF3FED9EE}"/>
+              </a:ext>
+            </a:extLst>
+          </p:cNvPr>
+          <p:cNvPicPr>
+            <a:picLocks noChangeAspect="1"/>
+          </p:cNvPicPr>
+          <p:nvPr/>
+        </p:nvPicPr>
+        <p:blipFill>
+          <a:blip r:embed="rId3"/>
+          <a:stretch>
+            <a:fillRect/>
+          </a:stretch>
+        </p:blipFill>
+        <p:spPr>
+          <a:xfrm>
+            <a:off x="7426410" y="723991"/>
+            <a:ext cx="1405890" cy="1348740"/>
+          </a:xfrm>
+          <a:prstGeom prst="rect">
+            <a:avLst/>
+          </a:prstGeom>
+        </p:spPr>
+      </p:pic>
     </p:spTree>
   </p:cSld>
   <p:clrMapOvr>
@@ -11455,6 +12080,269 @@
 </file>
 
 <file path=ppt/slides/slide4.xml><?xml version="1.0" encoding="utf-8"?>
+<p:sld xmlns:a="http://schemas.openxmlformats.org/drawingml/2006/main" xmlns:r="http://schemas.openxmlformats.org/officeDocument/2006/relationships" xmlns:p="http://schemas.openxmlformats.org/presentationml/2006/main">
+  <p:cSld>
+    <p:spTree>
+      <p:nvGrpSpPr>
+        <p:cNvPr id="1" name="Shape 82">
+          <a:extLst>
+            <a:ext uri="{FF2B5EF4-FFF2-40B4-BE49-F238E27FC236}">
+              <a16:creationId xmlns:a16="http://schemas.microsoft.com/office/drawing/2014/main" id="{909A40E1-C94A-1D39-D0F9-387B2C79D1D7}"/>
+            </a:ext>
+          </a:extLst>
+        </p:cNvPr>
+        <p:cNvGrpSpPr/>
+        <p:nvPr/>
+      </p:nvGrpSpPr>
+      <p:grpSpPr>
+        <a:xfrm>
+          <a:off x="0" y="0"/>
+          <a:ext cx="0" cy="0"/>
+          <a:chOff x="0" y="0"/>
+          <a:chExt cx="0" cy="0"/>
+        </a:xfrm>
+      </p:grpSpPr>
+      <p:sp>
+        <p:nvSpPr>
+          <p:cNvPr id="83" name="Google Shape;83;p14">
+            <a:extLst>
+              <a:ext uri="{FF2B5EF4-FFF2-40B4-BE49-F238E27FC236}">
+                <a16:creationId xmlns:a16="http://schemas.microsoft.com/office/drawing/2014/main" id="{D8612088-E53E-D814-4F80-D2AAB22D2F68}"/>
+              </a:ext>
+            </a:extLst>
+          </p:cNvPr>
+          <p:cNvSpPr txBox="1">
+            <a:spLocks noGrp="1"/>
+          </p:cNvSpPr>
+          <p:nvPr>
+            <p:ph type="title" idx="4294967295"/>
+          </p:nvPr>
+        </p:nvSpPr>
+        <p:spPr>
+          <a:xfrm>
+            <a:off x="311700" y="421233"/>
+            <a:ext cx="8520600" cy="622500"/>
+          </a:xfrm>
+          <a:prstGeom prst="rect">
+            <a:avLst/>
+          </a:prstGeom>
+        </p:spPr>
+        <p:txBody>
+          <a:bodyPr spcFirstLastPara="1" wrap="square" lIns="91425" tIns="91425" rIns="91425" bIns="91425" anchor="b" anchorCtr="0">
+            <a:noAutofit/>
+          </a:bodyPr>
+          <a:lstStyle/>
+          <a:p>
+            <a:pPr marL="0" lvl="0" indent="0" algn="l" rtl="0">
+              <a:spcBef>
+                <a:spcPts val="0"/>
+              </a:spcBef>
+              <a:spcAft>
+                <a:spcPts val="0"/>
+              </a:spcAft>
+              <a:buNone/>
+            </a:pPr>
+            <a:r>
+              <a:rPr lang="en-GB" dirty="0"/>
+              <a:t>Complexity (2)</a:t>
+            </a:r>
+            <a:endParaRPr dirty="0"/>
+          </a:p>
+        </p:txBody>
+      </p:sp>
+      <p:sp>
+        <p:nvSpPr>
+          <p:cNvPr id="84" name="Google Shape;84;p14">
+            <a:extLst>
+              <a:ext uri="{FF2B5EF4-FFF2-40B4-BE49-F238E27FC236}">
+                <a16:creationId xmlns:a16="http://schemas.microsoft.com/office/drawing/2014/main" id="{7B6EB715-129C-D37B-CEAD-A25254C58D10}"/>
+              </a:ext>
+            </a:extLst>
+          </p:cNvPr>
+          <p:cNvSpPr txBox="1">
+            <a:spLocks noGrp="1"/>
+          </p:cNvSpPr>
+          <p:nvPr>
+            <p:ph type="body" idx="1"/>
+          </p:nvPr>
+        </p:nvSpPr>
+        <p:spPr>
+          <a:xfrm>
+            <a:off x="162750" y="1043733"/>
+            <a:ext cx="8818500" cy="4415906"/>
+          </a:xfrm>
+          <a:prstGeom prst="rect">
+            <a:avLst/>
+          </a:prstGeom>
+        </p:spPr>
+        <p:txBody>
+          <a:bodyPr spcFirstLastPara="1" wrap="square" lIns="91425" tIns="91425" rIns="91425" bIns="91425" anchor="t" anchorCtr="0">
+            <a:noAutofit/>
+          </a:bodyPr>
+          <a:lstStyle/>
+          <a:p>
+            <a:pPr lvl="0"/>
+            <a:r>
+              <a:rPr lang="en-GB" b="1" dirty="0"/>
+              <a:t>Microprocessors</a:t>
+            </a:r>
+            <a:r>
+              <a:rPr lang="en-GB" dirty="0"/>
+              <a:t> revolutionized our world during the past three decades </a:t>
+            </a:r>
+          </a:p>
+          <a:p>
+            <a:pPr lvl="1">
+              <a:spcBef>
+                <a:spcPts val="600"/>
+              </a:spcBef>
+            </a:pPr>
+            <a:r>
+              <a:rPr lang="en-GB" dirty="0"/>
+              <a:t>an electronic circuit that acts as the brain of a computer. It performs arithmetic, logic, control, and input/output (I/O) operations by following instructions in a program. </a:t>
+            </a:r>
+          </a:p>
+          <a:p>
+            <a:pPr lvl="1">
+              <a:spcBef>
+                <a:spcPts val="600"/>
+              </a:spcBef>
+            </a:pPr>
+            <a:r>
+              <a:rPr lang="en-GB" dirty="0"/>
+              <a:t>laptop computers today have far more capability than a room-sized mainframe of yesteryear	</a:t>
+            </a:r>
+          </a:p>
+          <a:p>
+            <a:pPr lvl="1">
+              <a:spcBef>
+                <a:spcPts val="600"/>
+              </a:spcBef>
+            </a:pPr>
+            <a:r>
+              <a:rPr lang="en-GB" dirty="0"/>
+              <a:t>automobiles contain about 100 microprocessors</a:t>
+            </a:r>
+          </a:p>
+          <a:p>
+            <a:pPr lvl="1">
+              <a:spcBef>
+                <a:spcPts val="600"/>
+              </a:spcBef>
+            </a:pPr>
+            <a:r>
+              <a:rPr lang="en-GB" dirty="0"/>
+              <a:t>worldwide </a:t>
+            </a:r>
+            <a:r>
+              <a:rPr lang="en-GB" b="1" dirty="0"/>
+              <a:t>semiconductor industry </a:t>
+            </a:r>
+            <a:r>
+              <a:rPr lang="en-GB" dirty="0"/>
+              <a:t>sales have grown from US $21 billion in 1985 to $520 billion in 2023</a:t>
+            </a:r>
+          </a:p>
+          <a:p>
+            <a:endParaRPr lang="en-GB" b="1" dirty="0"/>
+          </a:p>
+          <a:p>
+            <a:r>
+              <a:rPr lang="en-GB" b="1" dirty="0"/>
+              <a:t>Digital systems </a:t>
+            </a:r>
+            <a:r>
+              <a:rPr lang="en-GB" dirty="0"/>
+              <a:t>are being built from </a:t>
+            </a:r>
+            <a:r>
+              <a:rPr lang="en-GB" b="1" dirty="0"/>
+              <a:t>millions or billions of transistors</a:t>
+            </a:r>
+          </a:p>
+          <a:p>
+            <a:pPr lvl="1"/>
+            <a:r>
+              <a:rPr lang="en-GB" dirty="0"/>
+              <a:t>a tiny electronic component that can act as a switch (or an amplifier). It controls the flow of electrical current in a circuit and is the building block of electronics</a:t>
+            </a:r>
+          </a:p>
+          <a:p>
+            <a:pPr lvl="1">
+              <a:spcBef>
+                <a:spcPts val="600"/>
+              </a:spcBef>
+            </a:pPr>
+            <a:r>
+              <a:rPr lang="en-GB" dirty="0"/>
+              <a:t>no human could understand these systems by writing equations describing the movement of electrons in each transistor and solving all of the equations simultaneously</a:t>
+            </a:r>
+          </a:p>
+          <a:p>
+            <a:pPr lvl="1">
+              <a:spcBef>
+                <a:spcPts val="600"/>
+              </a:spcBef>
+            </a:pPr>
+            <a:r>
+              <a:rPr lang="en-GB" dirty="0"/>
+              <a:t>we need to learn to </a:t>
+            </a:r>
+            <a:r>
+              <a:rPr lang="en-GB" b="1" dirty="0"/>
+              <a:t>manage complexity </a:t>
+            </a:r>
+            <a:r>
+              <a:rPr lang="en-GB" dirty="0"/>
+              <a:t>to understand how to build a digital system (like a microprocessor) without getting lost in a morass of detail</a:t>
+            </a:r>
+          </a:p>
+        </p:txBody>
+      </p:sp>
+      <p:pic>
+        <p:nvPicPr>
+          <p:cNvPr id="3" name="Immagine 2" descr="Immagine che contiene mappa, cerchio&#10;&#10;Descrizione generata automaticamente">
+            <a:extLst>
+              <a:ext uri="{FF2B5EF4-FFF2-40B4-BE49-F238E27FC236}">
+                <a16:creationId xmlns:a16="http://schemas.microsoft.com/office/drawing/2014/main" id="{72D7C32A-592B-84FD-A08B-D2CECE78918F}"/>
+              </a:ext>
+            </a:extLst>
+          </p:cNvPr>
+          <p:cNvPicPr>
+            <a:picLocks noChangeAspect="1"/>
+          </p:cNvPicPr>
+          <p:nvPr/>
+        </p:nvPicPr>
+        <p:blipFill>
+          <a:blip r:embed="rId3"/>
+          <a:stretch>
+            <a:fillRect/>
+          </a:stretch>
+        </p:blipFill>
+        <p:spPr>
+          <a:xfrm>
+            <a:off x="7426410" y="723991"/>
+            <a:ext cx="1405890" cy="1348740"/>
+          </a:xfrm>
+          <a:prstGeom prst="rect">
+            <a:avLst/>
+          </a:prstGeom>
+        </p:spPr>
+      </p:pic>
+    </p:spTree>
+    <p:extLst>
+      <p:ext uri="{BB962C8B-B14F-4D97-AF65-F5344CB8AC3E}">
+        <p14:creationId xmlns:p14="http://schemas.microsoft.com/office/powerpoint/2010/main" val="2307114726"/>
+      </p:ext>
+    </p:extLst>
+  </p:cSld>
+  <p:clrMapOvr>
+    <a:masterClrMapping/>
+  </p:clrMapOvr>
+</p:sld>
+</file>
+
+<file path=ppt/slides/slide5.xml><?xml version="1.0" encoding="utf-8"?>
 <p:sld xmlns:a="http://schemas.openxmlformats.org/drawingml/2006/main" xmlns:r="http://schemas.openxmlformats.org/officeDocument/2006/relationships" xmlns:p="http://schemas.openxmlformats.org/presentationml/2006/main">
   <p:cSld>
     <p:spTree>
@@ -11774,7 +12662,7 @@
 </p:sld>
 </file>
 
-<file path=ppt/slides/slide5.xml><?xml version="1.0" encoding="utf-8"?>
+<file path=ppt/slides/slide6.xml><?xml version="1.0" encoding="utf-8"?>
 <p:sld xmlns:a="http://schemas.openxmlformats.org/drawingml/2006/main" xmlns:r="http://schemas.openxmlformats.org/officeDocument/2006/relationships" xmlns:p="http://schemas.openxmlformats.org/presentationml/2006/main">
   <p:cSld>
     <p:spTree>
@@ -12057,7 +12945,7 @@
 </p:sld>
 </file>
 
-<file path=ppt/slides/slide6.xml><?xml version="1.0" encoding="utf-8"?>
+<file path=ppt/slides/slide7.xml><?xml version="1.0" encoding="utf-8"?>
 <p:sld xmlns:a="http://schemas.openxmlformats.org/drawingml/2006/main" xmlns:r="http://schemas.openxmlformats.org/officeDocument/2006/relationships" xmlns:p="http://schemas.openxmlformats.org/presentationml/2006/main">
   <p:cSld>
     <p:spTree>
@@ -12266,7 +13154,7 @@
 </p:sld>
 </file>
 
-<file path=ppt/slides/slide7.xml><?xml version="1.0" encoding="utf-8"?>
+<file path=ppt/slides/slide8.xml><?xml version="1.0" encoding="utf-8"?>
 <p:sld xmlns:a="http://schemas.openxmlformats.org/drawingml/2006/main" xmlns:r="http://schemas.openxmlformats.org/officeDocument/2006/relationships" xmlns:p="http://schemas.openxmlformats.org/presentationml/2006/main">
   <p:cSld>
     <p:spTree>
@@ -12707,615 +13595,6 @@
 </p:sld>
 </file>
 
-<file path=ppt/slides/slide8.xml><?xml version="1.0" encoding="utf-8"?>
-<p:sld xmlns:a="http://schemas.openxmlformats.org/drawingml/2006/main" xmlns:r="http://schemas.openxmlformats.org/officeDocument/2006/relationships" xmlns:p="http://schemas.openxmlformats.org/presentationml/2006/main">
-  <p:cSld>
-    <p:spTree>
-      <p:nvGrpSpPr>
-        <p:cNvPr id="1" name="Shape 82"/>
-        <p:cNvGrpSpPr/>
-        <p:nvPr/>
-      </p:nvGrpSpPr>
-      <p:grpSpPr>
-        <a:xfrm>
-          <a:off x="0" y="0"/>
-          <a:ext cx="0" cy="0"/>
-          <a:chOff x="0" y="0"/>
-          <a:chExt cx="0" cy="0"/>
-        </a:xfrm>
-      </p:grpSpPr>
-      <p:sp>
-        <p:nvSpPr>
-          <p:cNvPr id="83" name="Google Shape;83;p14"/>
-          <p:cNvSpPr txBox="1">
-            <a:spLocks noGrp="1"/>
-          </p:cNvSpPr>
-          <p:nvPr>
-            <p:ph type="title" idx="4294967295"/>
-          </p:nvPr>
-        </p:nvSpPr>
-        <p:spPr>
-          <a:xfrm>
-            <a:off x="311700" y="421233"/>
-            <a:ext cx="8520600" cy="622500"/>
-          </a:xfrm>
-          <a:prstGeom prst="rect">
-            <a:avLst/>
-          </a:prstGeom>
-        </p:spPr>
-        <p:txBody>
-          <a:bodyPr spcFirstLastPara="1" wrap="square" lIns="91425" tIns="91425" rIns="91425" bIns="91425" anchor="b" anchorCtr="0">
-            <a:noAutofit/>
-          </a:bodyPr>
-          <a:lstStyle/>
-          <a:p>
-            <a:pPr marL="0" lvl="0" indent="0" algn="l" rtl="0">
-              <a:spcBef>
-                <a:spcPts val="0"/>
-              </a:spcBef>
-              <a:spcAft>
-                <a:spcPts val="0"/>
-              </a:spcAft>
-              <a:buNone/>
-            </a:pPr>
-            <a:r>
-              <a:rPr lang="en-GB" dirty="0"/>
-              <a:t>Digitalization (1)</a:t>
-            </a:r>
-            <a:endParaRPr dirty="0"/>
-          </a:p>
-        </p:txBody>
-      </p:sp>
-      <p:sp>
-        <p:nvSpPr>
-          <p:cNvPr id="84" name="Google Shape;84;p14"/>
-          <p:cNvSpPr txBox="1">
-            <a:spLocks noGrp="1"/>
-          </p:cNvSpPr>
-          <p:nvPr>
-            <p:ph type="body" idx="1"/>
-          </p:nvPr>
-        </p:nvSpPr>
-        <p:spPr>
-          <a:xfrm>
-            <a:off x="162750" y="1119550"/>
-            <a:ext cx="8818500" cy="5317217"/>
-          </a:xfrm>
-          <a:prstGeom prst="rect">
-            <a:avLst/>
-          </a:prstGeom>
-        </p:spPr>
-        <p:txBody>
-          <a:bodyPr spcFirstLastPara="1" wrap="square" lIns="91425" tIns="91425" rIns="91425" bIns="91425" anchor="t" anchorCtr="0">
-            <a:noAutofit/>
-          </a:bodyPr>
-          <a:lstStyle/>
-          <a:p>
-            <a:endParaRPr lang="en-GB" dirty="0"/>
-          </a:p>
-          <a:p>
-            <a:pPr lvl="0"/>
-            <a:endParaRPr lang="en-GB" dirty="0"/>
-          </a:p>
-        </p:txBody>
-      </p:sp>
-      <p:sp>
-        <p:nvSpPr>
-          <p:cNvPr id="4" name="Google Shape;84;p14">
-            <a:extLst>
-              <a:ext uri="{FF2B5EF4-FFF2-40B4-BE49-F238E27FC236}">
-                <a16:creationId xmlns:a16="http://schemas.microsoft.com/office/drawing/2014/main" id="{F4D09BBD-B357-6547-1869-C5A2382FCC8B}"/>
-              </a:ext>
-            </a:extLst>
-          </p:cNvPr>
-          <p:cNvSpPr txBox="1">
-            <a:spLocks/>
-          </p:cNvSpPr>
-          <p:nvPr/>
-        </p:nvSpPr>
-        <p:spPr>
-          <a:xfrm>
-            <a:off x="311700" y="1043733"/>
-            <a:ext cx="8669550" cy="5317217"/>
-          </a:xfrm>
-          <a:prstGeom prst="rect">
-            <a:avLst/>
-          </a:prstGeom>
-          <a:noFill/>
-          <a:ln>
-            <a:noFill/>
-          </a:ln>
-        </p:spPr>
-        <p:txBody>
-          <a:bodyPr spcFirstLastPara="1" wrap="square" lIns="91425" tIns="91425" rIns="91425" bIns="91425" anchor="t" anchorCtr="0">
-            <a:noAutofit/>
-          </a:bodyPr>
-          <a:lstStyle>
-            <a:defPPr marR="0" lvl="0" algn="l" rtl="0">
-              <a:lnSpc>
-                <a:spcPct val="100000"/>
-              </a:lnSpc>
-              <a:spcBef>
-                <a:spcPts val="0"/>
-              </a:spcBef>
-              <a:spcAft>
-                <a:spcPts val="0"/>
-              </a:spcAft>
-            </a:defPPr>
-            <a:lvl1pPr marL="457200" marR="0" lvl="0" indent="-336550" algn="l" rtl="0">
-              <a:lnSpc>
-                <a:spcPct val="115000"/>
-              </a:lnSpc>
-              <a:spcBef>
-                <a:spcPts val="0"/>
-              </a:spcBef>
-              <a:spcAft>
-                <a:spcPts val="0"/>
-              </a:spcAft>
-              <a:buClr>
-                <a:schemeClr val="dk1"/>
-              </a:buClr>
-              <a:buSzPts val="1700"/>
-              <a:buFont typeface="Open Sans"/>
-              <a:buChar char="●"/>
-              <a:defRPr sz="1700" b="0" i="0" u="none" strike="noStrike" cap="none">
-                <a:solidFill>
-                  <a:schemeClr val="dk1"/>
-                </a:solidFill>
-                <a:latin typeface="Open Sans"/>
-                <a:ea typeface="Open Sans"/>
-                <a:cs typeface="Open Sans"/>
-                <a:sym typeface="Open Sans"/>
-              </a:defRPr>
-            </a:lvl1pPr>
-            <a:lvl2pPr marL="914400" marR="0" lvl="1" indent="-323850" algn="l" rtl="0">
-              <a:lnSpc>
-                <a:spcPct val="115000"/>
-              </a:lnSpc>
-              <a:spcBef>
-                <a:spcPts val="1600"/>
-              </a:spcBef>
-              <a:spcAft>
-                <a:spcPts val="0"/>
-              </a:spcAft>
-              <a:buClr>
-                <a:schemeClr val="dk1"/>
-              </a:buClr>
-              <a:buSzPts val="1500"/>
-              <a:buFont typeface="Open Sans"/>
-              <a:buChar char="○"/>
-              <a:defRPr sz="1500" b="0" i="0" u="none" strike="noStrike" cap="none">
-                <a:solidFill>
-                  <a:schemeClr val="dk1"/>
-                </a:solidFill>
-                <a:latin typeface="Open Sans"/>
-                <a:ea typeface="Open Sans"/>
-                <a:cs typeface="Open Sans"/>
-                <a:sym typeface="Open Sans"/>
-              </a:defRPr>
-            </a:lvl2pPr>
-            <a:lvl3pPr marL="1371600" marR="0" lvl="2" indent="-317500" algn="l" rtl="0">
-              <a:lnSpc>
-                <a:spcPct val="115000"/>
-              </a:lnSpc>
-              <a:spcBef>
-                <a:spcPts val="1600"/>
-              </a:spcBef>
-              <a:spcAft>
-                <a:spcPts val="0"/>
-              </a:spcAft>
-              <a:buClr>
-                <a:schemeClr val="dk1"/>
-              </a:buClr>
-              <a:buSzPts val="1400"/>
-              <a:buFont typeface="Open Sans"/>
-              <a:buChar char="■"/>
-              <a:defRPr sz="1400" b="0" i="0" u="none" strike="noStrike" cap="none">
-                <a:solidFill>
-                  <a:schemeClr val="dk1"/>
-                </a:solidFill>
-                <a:latin typeface="Open Sans"/>
-                <a:ea typeface="Open Sans"/>
-                <a:cs typeface="Open Sans"/>
-                <a:sym typeface="Open Sans"/>
-              </a:defRPr>
-            </a:lvl3pPr>
-            <a:lvl4pPr marL="1828800" marR="0" lvl="3" indent="-304800" algn="l" rtl="0">
-              <a:lnSpc>
-                <a:spcPct val="115000"/>
-              </a:lnSpc>
-              <a:spcBef>
-                <a:spcPts val="1600"/>
-              </a:spcBef>
-              <a:spcAft>
-                <a:spcPts val="0"/>
-              </a:spcAft>
-              <a:buClr>
-                <a:schemeClr val="dk1"/>
-              </a:buClr>
-              <a:buSzPts val="1200"/>
-              <a:buFont typeface="Open Sans"/>
-              <a:buChar char="●"/>
-              <a:defRPr sz="1200" b="0" i="0" u="none" strike="noStrike" cap="none">
-                <a:solidFill>
-                  <a:schemeClr val="dk1"/>
-                </a:solidFill>
-                <a:latin typeface="Open Sans"/>
-                <a:ea typeface="Open Sans"/>
-                <a:cs typeface="Open Sans"/>
-                <a:sym typeface="Open Sans"/>
-              </a:defRPr>
-            </a:lvl4pPr>
-            <a:lvl5pPr marL="2286000" marR="0" lvl="4" indent="-292100" algn="l" rtl="0">
-              <a:lnSpc>
-                <a:spcPct val="115000"/>
-              </a:lnSpc>
-              <a:spcBef>
-                <a:spcPts val="1600"/>
-              </a:spcBef>
-              <a:spcAft>
-                <a:spcPts val="0"/>
-              </a:spcAft>
-              <a:buClr>
-                <a:schemeClr val="dk1"/>
-              </a:buClr>
-              <a:buSzPts val="1000"/>
-              <a:buFont typeface="Open Sans"/>
-              <a:buChar char="○"/>
-              <a:defRPr sz="1000" b="0" i="0" u="none" strike="noStrike" cap="none">
-                <a:solidFill>
-                  <a:schemeClr val="dk1"/>
-                </a:solidFill>
-                <a:latin typeface="Open Sans"/>
-                <a:ea typeface="Open Sans"/>
-                <a:cs typeface="Open Sans"/>
-                <a:sym typeface="Open Sans"/>
-              </a:defRPr>
-            </a:lvl5pPr>
-            <a:lvl6pPr marL="2743200" marR="0" lvl="5" indent="-292100" algn="l" rtl="0">
-              <a:lnSpc>
-                <a:spcPct val="115000"/>
-              </a:lnSpc>
-              <a:spcBef>
-                <a:spcPts val="1600"/>
-              </a:spcBef>
-              <a:spcAft>
-                <a:spcPts val="0"/>
-              </a:spcAft>
-              <a:buClr>
-                <a:schemeClr val="dk1"/>
-              </a:buClr>
-              <a:buSzPts val="1000"/>
-              <a:buFont typeface="Open Sans"/>
-              <a:buChar char="■"/>
-              <a:defRPr sz="1000" b="0" i="0" u="none" strike="noStrike" cap="none">
-                <a:solidFill>
-                  <a:schemeClr val="dk1"/>
-                </a:solidFill>
-                <a:latin typeface="Open Sans"/>
-                <a:ea typeface="Open Sans"/>
-                <a:cs typeface="Open Sans"/>
-                <a:sym typeface="Open Sans"/>
-              </a:defRPr>
-            </a:lvl6pPr>
-            <a:lvl7pPr marL="3200400" marR="0" lvl="6" indent="-292100" algn="l" rtl="0">
-              <a:lnSpc>
-                <a:spcPct val="115000"/>
-              </a:lnSpc>
-              <a:spcBef>
-                <a:spcPts val="1600"/>
-              </a:spcBef>
-              <a:spcAft>
-                <a:spcPts val="0"/>
-              </a:spcAft>
-              <a:buClr>
-                <a:schemeClr val="dk1"/>
-              </a:buClr>
-              <a:buSzPts val="1000"/>
-              <a:buFont typeface="Open Sans"/>
-              <a:buChar char="●"/>
-              <a:defRPr sz="1000" b="0" i="0" u="none" strike="noStrike" cap="none">
-                <a:solidFill>
-                  <a:schemeClr val="dk1"/>
-                </a:solidFill>
-                <a:latin typeface="Open Sans"/>
-                <a:ea typeface="Open Sans"/>
-                <a:cs typeface="Open Sans"/>
-                <a:sym typeface="Open Sans"/>
-              </a:defRPr>
-            </a:lvl7pPr>
-            <a:lvl8pPr marL="3657600" marR="0" lvl="7" indent="-292100" algn="l" rtl="0">
-              <a:lnSpc>
-                <a:spcPct val="115000"/>
-              </a:lnSpc>
-              <a:spcBef>
-                <a:spcPts val="1600"/>
-              </a:spcBef>
-              <a:spcAft>
-                <a:spcPts val="0"/>
-              </a:spcAft>
-              <a:buClr>
-                <a:schemeClr val="dk1"/>
-              </a:buClr>
-              <a:buSzPts val="1000"/>
-              <a:buFont typeface="Open Sans"/>
-              <a:buChar char="○"/>
-              <a:defRPr sz="1000" b="0" i="0" u="none" strike="noStrike" cap="none">
-                <a:solidFill>
-                  <a:schemeClr val="dk1"/>
-                </a:solidFill>
-                <a:latin typeface="Open Sans"/>
-                <a:ea typeface="Open Sans"/>
-                <a:cs typeface="Open Sans"/>
-                <a:sym typeface="Open Sans"/>
-              </a:defRPr>
-            </a:lvl8pPr>
-            <a:lvl9pPr marL="4114800" marR="0" lvl="8" indent="-292100" algn="l" rtl="0">
-              <a:lnSpc>
-                <a:spcPct val="115000"/>
-              </a:lnSpc>
-              <a:spcBef>
-                <a:spcPts val="1600"/>
-              </a:spcBef>
-              <a:spcAft>
-                <a:spcPts val="1600"/>
-              </a:spcAft>
-              <a:buClr>
-                <a:schemeClr val="dk1"/>
-              </a:buClr>
-              <a:buSzPts val="1000"/>
-              <a:buFont typeface="Open Sans"/>
-              <a:buChar char="■"/>
-              <a:defRPr sz="1000" b="0" i="0" u="none" strike="noStrike" cap="none">
-                <a:solidFill>
-                  <a:schemeClr val="dk1"/>
-                </a:solidFill>
-                <a:latin typeface="Open Sans"/>
-                <a:ea typeface="Open Sans"/>
-                <a:cs typeface="Open Sans"/>
-                <a:sym typeface="Open Sans"/>
-              </a:defRPr>
-            </a:lvl9pPr>
-          </a:lstStyle>
-          <a:p>
-            <a:r>
-              <a:rPr lang="en-GB" dirty="0"/>
-              <a:t>The numeric representation x of a </a:t>
-            </a:r>
-            <a:r>
-              <a:rPr lang="en-GB" b="1" dirty="0"/>
-              <a:t>physical phenomenon </a:t>
-            </a:r>
-            <a:r>
-              <a:rPr lang="en-GB" dirty="0"/>
-              <a:t>over time is </a:t>
-            </a:r>
-            <a:r>
-              <a:rPr lang="en-GB" b="1" dirty="0"/>
-              <a:t>continuous</a:t>
-            </a:r>
-            <a:r>
-              <a:rPr lang="en-GB" dirty="0"/>
-              <a:t> x(t)</a:t>
-            </a:r>
-          </a:p>
-          <a:p>
-            <a:pPr lvl="1">
-              <a:spcBef>
-                <a:spcPts val="600"/>
-              </a:spcBef>
-            </a:pPr>
-            <a:r>
-              <a:rPr lang="en-GB" dirty="0"/>
-              <a:t>at least at non-quantum scale</a:t>
-            </a:r>
-          </a:p>
-          <a:p>
-            <a:pPr lvl="1">
-              <a:spcBef>
-                <a:spcPts val="600"/>
-              </a:spcBef>
-            </a:pPr>
-            <a:r>
-              <a:rPr lang="en-GB" dirty="0"/>
-              <a:t> e.g. temperature of a room, intensity of a light, force applied to an object, etc. </a:t>
-            </a:r>
-          </a:p>
-          <a:p>
-            <a:pPr lvl="1">
-              <a:spcBef>
-                <a:spcPts val="600"/>
-              </a:spcBef>
-            </a:pPr>
-            <a:endParaRPr lang="en-GB" dirty="0"/>
-          </a:p>
-          <a:p>
-            <a:pPr lvl="1">
-              <a:spcBef>
-                <a:spcPts val="600"/>
-              </a:spcBef>
-            </a:pPr>
-            <a:endParaRPr lang="en-GB" dirty="0"/>
-          </a:p>
-          <a:p>
-            <a:pPr lvl="1">
-              <a:spcBef>
-                <a:spcPts val="600"/>
-              </a:spcBef>
-            </a:pPr>
-            <a:endParaRPr lang="en-GB" dirty="0"/>
-          </a:p>
-          <a:p>
-            <a:endParaRPr lang="en-GB" dirty="0"/>
-          </a:p>
-          <a:p>
-            <a:endParaRPr lang="en-GB" dirty="0"/>
-          </a:p>
-          <a:p>
-            <a:pPr marL="120650" indent="0">
-              <a:buNone/>
-            </a:pPr>
-            <a:endParaRPr lang="en-GB" dirty="0"/>
-          </a:p>
-          <a:p>
-            <a:r>
-              <a:rPr lang="en-GB" dirty="0"/>
-              <a:t>The </a:t>
-            </a:r>
-            <a:r>
-              <a:rPr lang="en-GB" b="1" dirty="0"/>
-              <a:t>analog representation </a:t>
-            </a:r>
-            <a:r>
-              <a:rPr lang="en-GB" dirty="0"/>
-              <a:t>seems the most suitable and effective </a:t>
-            </a:r>
-          </a:p>
-          <a:p>
-            <a:r>
-              <a:rPr lang="en-GB" dirty="0"/>
-              <a:t>Our abstraction needs a device able </a:t>
-            </a:r>
-            <a:r>
-              <a:rPr lang="en-GB" b="1" dirty="0"/>
-              <a:t>to convert</a:t>
-            </a:r>
-            <a:r>
-              <a:rPr lang="en-GB" dirty="0"/>
-              <a:t> continuous quantities variables into digital ones</a:t>
-            </a:r>
-          </a:p>
-          <a:p>
-            <a:pPr lvl="1">
-              <a:spcBef>
-                <a:spcPts val="600"/>
-              </a:spcBef>
-            </a:pPr>
-            <a:r>
-              <a:rPr lang="en-GB" b="1" dirty="0"/>
-              <a:t>Analog to Digital Converters (ADC)</a:t>
-            </a:r>
-          </a:p>
-          <a:p>
-            <a:pPr>
-              <a:spcBef>
-                <a:spcPts val="600"/>
-              </a:spcBef>
-            </a:pPr>
-            <a:r>
-              <a:rPr lang="en-GB" dirty="0"/>
-              <a:t>We need to </a:t>
-            </a:r>
-            <a:r>
-              <a:rPr lang="en-GB" b="1" dirty="0"/>
-              <a:t>digitize</a:t>
-            </a:r>
-            <a:r>
-              <a:rPr lang="en-GB" dirty="0"/>
-              <a:t> the signal both </a:t>
-            </a:r>
-            <a:r>
-              <a:rPr lang="en-GB" b="1" dirty="0"/>
-              <a:t>in time </a:t>
-            </a:r>
-            <a:r>
-              <a:rPr lang="en-GB" dirty="0"/>
-              <a:t>and </a:t>
-            </a:r>
-            <a:r>
-              <a:rPr lang="en-GB" b="1" dirty="0"/>
-              <a:t>in amplitude</a:t>
-            </a:r>
-          </a:p>
-          <a:p>
-            <a:pPr lvl="1">
-              <a:spcBef>
-                <a:spcPts val="600"/>
-              </a:spcBef>
-            </a:pPr>
-            <a:r>
-              <a:rPr lang="en-GB" b="1" dirty="0"/>
-              <a:t>sampling</a:t>
-            </a:r>
-            <a:r>
-              <a:rPr lang="en-GB" dirty="0"/>
-              <a:t> and </a:t>
-            </a:r>
-            <a:r>
-              <a:rPr lang="en-GB" b="1" dirty="0"/>
-              <a:t>quantization</a:t>
-            </a:r>
-          </a:p>
-          <a:p>
-            <a:pPr>
-              <a:spcBef>
-                <a:spcPts val="600"/>
-              </a:spcBef>
-            </a:pPr>
-            <a:endParaRPr lang="en-GB" dirty="0"/>
-          </a:p>
-          <a:p>
-            <a:pPr>
-              <a:spcBef>
-                <a:spcPts val="600"/>
-              </a:spcBef>
-            </a:pPr>
-            <a:endParaRPr lang="en-GB" dirty="0"/>
-          </a:p>
-          <a:p>
-            <a:endParaRPr lang="en-GB" dirty="0"/>
-          </a:p>
-          <a:p>
-            <a:endParaRPr lang="en-GB" dirty="0"/>
-          </a:p>
-          <a:p>
-            <a:endParaRPr lang="en-GB" dirty="0"/>
-          </a:p>
-        </p:txBody>
-      </p:sp>
-      <p:pic>
-        <p:nvPicPr>
-          <p:cNvPr id="10" name="Immagine 9">
-            <a:extLst>
-              <a:ext uri="{FF2B5EF4-FFF2-40B4-BE49-F238E27FC236}">
-                <a16:creationId xmlns:a16="http://schemas.microsoft.com/office/drawing/2014/main" id="{0E81828B-E89F-25E9-3F87-0F05B85C6E21}"/>
-              </a:ext>
-            </a:extLst>
-          </p:cNvPr>
-          <p:cNvPicPr>
-            <a:picLocks noChangeAspect="1"/>
-          </p:cNvPicPr>
-          <p:nvPr/>
-        </p:nvPicPr>
-        <p:blipFill>
-          <a:blip r:embed="rId3"/>
-          <a:stretch>
-            <a:fillRect/>
-          </a:stretch>
-        </p:blipFill>
-        <p:spPr>
-          <a:xfrm>
-            <a:off x="2796972" y="2404754"/>
-            <a:ext cx="3211943" cy="1808332"/>
-          </a:xfrm>
-          <a:prstGeom prst="rect">
-            <a:avLst/>
-          </a:prstGeom>
-        </p:spPr>
-      </p:pic>
-    </p:spTree>
-    <p:extLst>
-      <p:ext uri="{BB962C8B-B14F-4D97-AF65-F5344CB8AC3E}">
-        <p14:creationId xmlns:p14="http://schemas.microsoft.com/office/powerpoint/2010/main" val="3102138681"/>
-      </p:ext>
-    </p:extLst>
-  </p:cSld>
-  <p:clrMapOvr>
-    <a:masterClrMapping/>
-  </p:clrMapOvr>
-</p:sld>
-</file>
-
 <file path=ppt/slides/slide9.xml><?xml version="1.0" encoding="utf-8"?>
 <p:sld xmlns:a="http://schemas.openxmlformats.org/drawingml/2006/main" xmlns:r="http://schemas.openxmlformats.org/officeDocument/2006/relationships" xmlns:p="http://schemas.openxmlformats.org/presentationml/2006/main">
   <p:cSld>
@@ -13369,7 +13648,7 @@
             </a:pPr>
             <a:r>
               <a:rPr lang="en-GB" dirty="0"/>
-              <a:t>Digitalization (2)</a:t>
+              <a:t>Digitalization (1)</a:t>
             </a:r>
             <a:endParaRPr dirty="0"/>
           </a:p>
@@ -13425,7 +13704,7 @@
         <p:spPr>
           <a:xfrm>
             <a:off x="311700" y="1043733"/>
-            <a:ext cx="8818500" cy="5317217"/>
+            <a:ext cx="8669550" cy="5317217"/>
           </a:xfrm>
           <a:prstGeom prst="rect">
             <a:avLst/>
@@ -13687,11 +13966,187 @@
             </a:lvl9pPr>
           </a:lstStyle>
           <a:p>
+            <a:r>
+              <a:rPr lang="en-GB" dirty="0"/>
+              <a:t>The numeric representation x of a </a:t>
+            </a:r>
+            <a:r>
+              <a:rPr lang="en-GB" b="1" dirty="0"/>
+              <a:t>physical phenomenon </a:t>
+            </a:r>
+            <a:r>
+              <a:rPr lang="en-GB" dirty="0"/>
+              <a:t>over time is </a:t>
+            </a:r>
+            <a:r>
+              <a:rPr lang="en-GB" b="1" dirty="0"/>
+              <a:t>continuous</a:t>
+            </a:r>
+            <a:r>
+              <a:rPr lang="en-GB" dirty="0"/>
+              <a:t> x(t)</a:t>
+            </a:r>
+          </a:p>
+          <a:p>
+            <a:pPr lvl="1">
+              <a:spcBef>
+                <a:spcPts val="600"/>
+              </a:spcBef>
+            </a:pPr>
+            <a:r>
+              <a:rPr lang="en-GB" dirty="0"/>
+              <a:t>at least at non-quantum scale</a:t>
+            </a:r>
+          </a:p>
+          <a:p>
+            <a:pPr lvl="1">
+              <a:spcBef>
+                <a:spcPts val="600"/>
+              </a:spcBef>
+            </a:pPr>
+            <a:r>
+              <a:rPr lang="en-GB" dirty="0"/>
+              <a:t> e.g. temperature of a room, intensity of a light, force applied to an object, etc. </a:t>
+            </a:r>
+          </a:p>
+          <a:p>
+            <a:pPr lvl="1">
+              <a:spcBef>
+                <a:spcPts val="600"/>
+              </a:spcBef>
+            </a:pPr>
+            <a:endParaRPr lang="en-GB" dirty="0"/>
+          </a:p>
+          <a:p>
+            <a:pPr lvl="1">
+              <a:spcBef>
+                <a:spcPts val="600"/>
+              </a:spcBef>
+            </a:pPr>
+            <a:endParaRPr lang="en-GB" dirty="0"/>
+          </a:p>
+          <a:p>
+            <a:pPr lvl="1">
+              <a:spcBef>
+                <a:spcPts val="600"/>
+              </a:spcBef>
+            </a:pPr>
+            <a:endParaRPr lang="en-GB" dirty="0"/>
+          </a:p>
+          <a:p>
+            <a:endParaRPr lang="en-GB" dirty="0"/>
+          </a:p>
+          <a:p>
+            <a:endParaRPr lang="en-GB" dirty="0"/>
+          </a:p>
+          <a:p>
             <a:pPr marL="120650" indent="0">
+              <a:buNone/>
+            </a:pPr>
+            <a:endParaRPr lang="en-GB" dirty="0"/>
+          </a:p>
+          <a:p>
+            <a:r>
+              <a:rPr lang="en-GB" dirty="0"/>
+              <a:t>The </a:t>
+            </a:r>
+            <a:r>
+              <a:rPr lang="en-GB" b="1" dirty="0"/>
+              <a:t>analog representation </a:t>
+            </a:r>
+            <a:r>
+              <a:rPr lang="en-GB" dirty="0"/>
+              <a:t>seems the most suitable and effective </a:t>
+            </a:r>
+          </a:p>
+          <a:p>
+            <a:r>
+              <a:rPr lang="en-GB" dirty="0"/>
+              <a:t>Our abstraction needs a device able </a:t>
+            </a:r>
+            <a:r>
+              <a:rPr lang="en-GB" b="1" dirty="0"/>
+              <a:t>to convert</a:t>
+            </a:r>
+            <a:r>
+              <a:rPr lang="en-GB" dirty="0"/>
+              <a:t> continuous quantities variables into digital ones</a:t>
+            </a:r>
+          </a:p>
+          <a:p>
+            <a:pPr lvl="1">
               <a:spcBef>
                 <a:spcPts val="600"/>
               </a:spcBef>
-              <a:buNone/>
+            </a:pPr>
+            <a:r>
+              <a:rPr lang="en-GB" b="1" dirty="0"/>
+              <a:t>Analog to Digital Converters (ADC)</a:t>
+            </a:r>
+          </a:p>
+          <a:p>
+            <a:pPr>
+              <a:spcBef>
+                <a:spcPts val="600"/>
+              </a:spcBef>
+            </a:pPr>
+            <a:r>
+              <a:rPr lang="en-GB" dirty="0"/>
+              <a:t>We need to </a:t>
+            </a:r>
+            <a:r>
+              <a:rPr lang="en-GB" b="1" dirty="0"/>
+              <a:t>digitize</a:t>
+            </a:r>
+            <a:r>
+              <a:rPr lang="en-GB" dirty="0"/>
+              <a:t> the signal both </a:t>
+            </a:r>
+            <a:r>
+              <a:rPr lang="en-GB" b="1" dirty="0"/>
+              <a:t>in time </a:t>
+            </a:r>
+            <a:r>
+              <a:rPr lang="en-GB" dirty="0"/>
+              <a:t>and </a:t>
+            </a:r>
+            <a:r>
+              <a:rPr lang="en-GB" b="1" dirty="0"/>
+              <a:t>in amplitude</a:t>
+            </a:r>
+          </a:p>
+          <a:p>
+            <a:pPr lvl="1">
+              <a:spcBef>
+                <a:spcPts val="600"/>
+              </a:spcBef>
+            </a:pPr>
+            <a:r>
+              <a:rPr lang="en-GB" b="1" dirty="0"/>
+              <a:t>sampling</a:t>
+            </a:r>
+            <a:r>
+              <a:rPr lang="en-GB" dirty="0"/>
+              <a:t> and </a:t>
+            </a:r>
+            <a:r>
+              <a:rPr lang="en-GB" b="1" dirty="0"/>
+              <a:t>quantization</a:t>
+            </a:r>
+          </a:p>
+          <a:p>
+            <a:pPr>
+              <a:spcBef>
+                <a:spcPts val="600"/>
+              </a:spcBef>
+            </a:pPr>
+            <a:endParaRPr lang="en-GB" dirty="0"/>
+          </a:p>
+          <a:p>
+            <a:pPr>
+              <a:spcBef>
+                <a:spcPts val="600"/>
+              </a:spcBef>
             </a:pPr>
             <a:endParaRPr lang="en-GB" dirty="0"/>
           </a:p>
@@ -13708,55 +14163,38 @@
       </p:sp>
       <p:pic>
         <p:nvPicPr>
-          <p:cNvPr id="3074" name="Picture 2" descr="Interrelations between analog, discrete and digital signals">
+          <p:cNvPr id="10" name="Immagine 9">
             <a:extLst>
               <a:ext uri="{FF2B5EF4-FFF2-40B4-BE49-F238E27FC236}">
-                <a16:creationId xmlns:a16="http://schemas.microsoft.com/office/drawing/2014/main" id="{9CA02893-40B1-CBA3-7B52-7B9773D440DD}"/>
+                <a16:creationId xmlns:a16="http://schemas.microsoft.com/office/drawing/2014/main" id="{0E81828B-E89F-25E9-3F87-0F05B85C6E21}"/>
               </a:ext>
             </a:extLst>
           </p:cNvPr>
           <p:cNvPicPr>
-            <a:picLocks noChangeAspect="1" noChangeArrowheads="1"/>
+            <a:picLocks noChangeAspect="1"/>
           </p:cNvPicPr>
           <p:nvPr/>
         </p:nvPicPr>
         <p:blipFill>
-          <a:blip r:embed="rId3">
-            <a:extLst>
-              <a:ext uri="{28A0092B-C50C-407E-A947-70E740481C1C}">
-                <a14:useLocalDpi xmlns:a14="http://schemas.microsoft.com/office/drawing/2010/main" val="0"/>
-              </a:ext>
-            </a:extLst>
-          </a:blip>
-          <a:srcRect/>
+          <a:blip r:embed="rId3"/>
           <a:stretch>
             <a:fillRect/>
           </a:stretch>
         </p:blipFill>
-        <p:spPr bwMode="auto">
+        <p:spPr>
           <a:xfrm>
-            <a:off x="731520" y="1077978"/>
-            <a:ext cx="6892834" cy="5100698"/>
+            <a:off x="2796972" y="2404754"/>
+            <a:ext cx="3211943" cy="1808332"/>
           </a:xfrm>
           <a:prstGeom prst="rect">
             <a:avLst/>
           </a:prstGeom>
-          <a:noFill/>
-          <a:extLst>
-            <a:ext uri="{909E8E84-426E-40DD-AFC4-6F175D3DCCD1}">
-              <a14:hiddenFill xmlns:a14="http://schemas.microsoft.com/office/drawing/2010/main">
-                <a:solidFill>
-                  <a:srgbClr val="FFFFFF"/>
-                </a:solidFill>
-              </a14:hiddenFill>
-            </a:ext>
-          </a:extLst>
         </p:spPr>
       </p:pic>
     </p:spTree>
     <p:extLst>
       <p:ext uri="{BB962C8B-B14F-4D97-AF65-F5344CB8AC3E}">
-        <p14:creationId xmlns:p14="http://schemas.microsoft.com/office/powerpoint/2010/main" val="2113557187"/>
+        <p14:creationId xmlns:p14="http://schemas.microsoft.com/office/powerpoint/2010/main" val="3102138681"/>
       </p:ext>
     </p:extLst>
   </p:cSld>

--- a/01 - The Digital Abstraction/01 - The Digital Abstraction.pptx
+++ b/01 - The Digital Abstraction/01 - The Digital Abstraction.pptx
@@ -14776,4 +14776,237 @@
   <a:objectDefaults/>
   <a:extraClrSchemeLst/>
 </a:theme>
+</file>
+
+<file path=customXml/item1.xml><?xml version="1.0" encoding="utf-8"?>
+<ct:contentTypeSchema xmlns:ct="http://schemas.microsoft.com/office/2006/metadata/contentType" xmlns:ma="http://schemas.microsoft.com/office/2006/metadata/properties/metaAttributes" ct:_="" ma:_="" ma:contentTypeName="Documento" ma:contentTypeID="0x010100B8FA822B18A0634FB7342CF29752587A" ma:contentTypeVersion="12" ma:contentTypeDescription="Creare un nuovo documento." ma:contentTypeScope="" ma:versionID="4c8b1e8002f5a6c880c83187af115cef">
+  <xsd:schema xmlns:xsd="http://www.w3.org/2001/XMLSchema" xmlns:xs="http://www.w3.org/2001/XMLSchema" xmlns:p="http://schemas.microsoft.com/office/2006/metadata/properties" xmlns:ns2="3bd0d43f-5e5b-43cd-b6fc-691bd77672c6" xmlns:ns3="e9b5433c-2372-4cb7-8bab-09518096b29b" targetNamespace="http://schemas.microsoft.com/office/2006/metadata/properties" ma:root="true" ma:fieldsID="618b708abf3b656f834d84e193700042" ns2:_="" ns3:_="">
+    <xsd:import namespace="3bd0d43f-5e5b-43cd-b6fc-691bd77672c6"/>
+    <xsd:import namespace="e9b5433c-2372-4cb7-8bab-09518096b29b"/>
+    <xsd:element name="properties">
+      <xsd:complexType>
+        <xsd:sequence>
+          <xsd:element name="documentManagement">
+            <xsd:complexType>
+              <xsd:all>
+                <xsd:element ref="ns2:MediaServiceMetadata" minOccurs="0"/>
+                <xsd:element ref="ns2:MediaServiceFastMetadata" minOccurs="0"/>
+                <xsd:element ref="ns2:MediaServiceSearchProperties" minOccurs="0"/>
+                <xsd:element ref="ns2:MediaServiceObjectDetectorVersions" minOccurs="0"/>
+                <xsd:element ref="ns2:lcf76f155ced4ddcb4097134ff3c332f" minOccurs="0"/>
+                <xsd:element ref="ns3:TaxCatchAll" minOccurs="0"/>
+                <xsd:element ref="ns2:MediaServiceDateTaken" minOccurs="0"/>
+                <xsd:element ref="ns2:MediaServiceOCR" minOccurs="0"/>
+                <xsd:element ref="ns2:MediaServiceGenerationTime" minOccurs="0"/>
+                <xsd:element ref="ns2:MediaServiceEventHashCode" minOccurs="0"/>
+                <xsd:element ref="ns2:MediaLengthInSeconds" minOccurs="0"/>
+              </xsd:all>
+            </xsd:complexType>
+          </xsd:element>
+        </xsd:sequence>
+      </xsd:complexType>
+    </xsd:element>
+  </xsd:schema>
+  <xsd:schema xmlns:xsd="http://www.w3.org/2001/XMLSchema" xmlns:xs="http://www.w3.org/2001/XMLSchema" xmlns:dms="http://schemas.microsoft.com/office/2006/documentManagement/types" xmlns:pc="http://schemas.microsoft.com/office/infopath/2007/PartnerControls" targetNamespace="3bd0d43f-5e5b-43cd-b6fc-691bd77672c6" elementFormDefault="qualified">
+    <xsd:import namespace="http://schemas.microsoft.com/office/2006/documentManagement/types"/>
+    <xsd:import namespace="http://schemas.microsoft.com/office/infopath/2007/PartnerControls"/>
+    <xsd:element name="MediaServiceMetadata" ma:index="8" nillable="true" ma:displayName="MediaServiceMetadata" ma:hidden="true" ma:internalName="MediaServiceMetadata" ma:readOnly="true">
+      <xsd:simpleType>
+        <xsd:restriction base="dms:Note"/>
+      </xsd:simpleType>
+    </xsd:element>
+    <xsd:element name="MediaServiceFastMetadata" ma:index="9" nillable="true" ma:displayName="MediaServiceFastMetadata" ma:hidden="true" ma:internalName="MediaServiceFastMetadata" ma:readOnly="true">
+      <xsd:simpleType>
+        <xsd:restriction base="dms:Note"/>
+      </xsd:simpleType>
+    </xsd:element>
+    <xsd:element name="MediaServiceSearchProperties" ma:index="10" nillable="true" ma:displayName="MediaServiceSearchProperties" ma:hidden="true" ma:internalName="MediaServiceSearchProperties" ma:readOnly="true">
+      <xsd:simpleType>
+        <xsd:restriction base="dms:Note"/>
+      </xsd:simpleType>
+    </xsd:element>
+    <xsd:element name="MediaServiceObjectDetectorVersions" ma:index="11" nillable="true" ma:displayName="MediaServiceObjectDetectorVersions" ma:hidden="true" ma:indexed="true" ma:internalName="MediaServiceObjectDetectorVersions" ma:readOnly="true">
+      <xsd:simpleType>
+        <xsd:restriction base="dms:Text"/>
+      </xsd:simpleType>
+    </xsd:element>
+    <xsd:element name="lcf76f155ced4ddcb4097134ff3c332f" ma:index="13" nillable="true" ma:taxonomy="true" ma:internalName="lcf76f155ced4ddcb4097134ff3c332f" ma:taxonomyFieldName="MediaServiceImageTags" ma:displayName="Tag immagine" ma:readOnly="false" ma:fieldId="{5cf76f15-5ced-4ddc-b409-7134ff3c332f}" ma:taxonomyMulti="true" ma:sspId="b3f316dc-fb4b-4146-8b22-f4ef2efe4b04" ma:termSetId="09814cd3-568e-fe90-9814-8d621ff8fb84" ma:anchorId="fba54fb3-c3e1-fe81-a776-ca4b69148c4d" ma:open="true" ma:isKeyword="false">
+      <xsd:complexType>
+        <xsd:sequence>
+          <xsd:element ref="pc:Terms" minOccurs="0" maxOccurs="1"/>
+        </xsd:sequence>
+      </xsd:complexType>
+    </xsd:element>
+    <xsd:element name="MediaServiceDateTaken" ma:index="15" nillable="true" ma:displayName="MediaServiceDateTaken" ma:hidden="true" ma:indexed="true" ma:internalName="MediaServiceDateTaken" ma:readOnly="true">
+      <xsd:simpleType>
+        <xsd:restriction base="dms:Text"/>
+      </xsd:simpleType>
+    </xsd:element>
+    <xsd:element name="MediaServiceOCR" ma:index="16" nillable="true" ma:displayName="Extracted Text" ma:internalName="MediaServiceOCR" ma:readOnly="true">
+      <xsd:simpleType>
+        <xsd:restriction base="dms:Note">
+          <xsd:maxLength value="255"/>
+        </xsd:restriction>
+      </xsd:simpleType>
+    </xsd:element>
+    <xsd:element name="MediaServiceGenerationTime" ma:index="17" nillable="true" ma:displayName="MediaServiceGenerationTime" ma:hidden="true" ma:internalName="MediaServiceGenerationTime" ma:readOnly="true">
+      <xsd:simpleType>
+        <xsd:restriction base="dms:Text"/>
+      </xsd:simpleType>
+    </xsd:element>
+    <xsd:element name="MediaServiceEventHashCode" ma:index="18" nillable="true" ma:displayName="MediaServiceEventHashCode" ma:hidden="true" ma:internalName="MediaServiceEventHashCode" ma:readOnly="true">
+      <xsd:simpleType>
+        <xsd:restriction base="dms:Text"/>
+      </xsd:simpleType>
+    </xsd:element>
+    <xsd:element name="MediaLengthInSeconds" ma:index="19" nillable="true" ma:displayName="MediaLengthInSeconds" ma:hidden="true" ma:internalName="MediaLengthInSeconds" ma:readOnly="true">
+      <xsd:simpleType>
+        <xsd:restriction base="dms:Unknown"/>
+      </xsd:simpleType>
+    </xsd:element>
+  </xsd:schema>
+  <xsd:schema xmlns:xsd="http://www.w3.org/2001/XMLSchema" xmlns:xs="http://www.w3.org/2001/XMLSchema" xmlns:dms="http://schemas.microsoft.com/office/2006/documentManagement/types" xmlns:pc="http://schemas.microsoft.com/office/infopath/2007/PartnerControls" targetNamespace="e9b5433c-2372-4cb7-8bab-09518096b29b" elementFormDefault="qualified">
+    <xsd:import namespace="http://schemas.microsoft.com/office/2006/documentManagement/types"/>
+    <xsd:import namespace="http://schemas.microsoft.com/office/infopath/2007/PartnerControls"/>
+    <xsd:element name="TaxCatchAll" ma:index="14" nillable="true" ma:displayName="Taxonomy Catch All Column" ma:hidden="true" ma:list="{ac4bbe8c-9a55-4d5f-b385-d948ddfe6c4d}" ma:internalName="TaxCatchAll" ma:showField="CatchAllData" ma:web="e9b5433c-2372-4cb7-8bab-09518096b29b">
+      <xsd:complexType>
+        <xsd:complexContent>
+          <xsd:extension base="dms:MultiChoiceLookup">
+            <xsd:sequence>
+              <xsd:element name="Value" type="dms:Lookup" maxOccurs="unbounded" minOccurs="0" nillable="true"/>
+            </xsd:sequence>
+          </xsd:extension>
+        </xsd:complexContent>
+      </xsd:complexType>
+    </xsd:element>
+  </xsd:schema>
+  <xsd:schema xmlns="http://schemas.openxmlformats.org/package/2006/metadata/core-properties" xmlns:xsd="http://www.w3.org/2001/XMLSchema" xmlns:xsi="http://www.w3.org/2001/XMLSchema-instance" xmlns:dc="http://purl.org/dc/elements/1.1/" xmlns:dcterms="http://purl.org/dc/terms/" xmlns:odoc="http://schemas.microsoft.com/internal/obd" targetNamespace="http://schemas.openxmlformats.org/package/2006/metadata/core-properties" elementFormDefault="qualified" attributeFormDefault="unqualified" blockDefault="#all">
+    <xsd:import namespace="http://purl.org/dc/elements/1.1/" schemaLocation="http://dublincore.org/schemas/xmls/qdc/2003/04/02/dc.xsd"/>
+    <xsd:import namespace="http://purl.org/dc/terms/" schemaLocation="http://dublincore.org/schemas/xmls/qdc/2003/04/02/dcterms.xsd"/>
+    <xsd:element name="coreProperties" type="CT_coreProperties"/>
+    <xsd:complexType name="CT_coreProperties">
+      <xsd:all>
+        <xsd:element ref="dc:creator" minOccurs="0" maxOccurs="1"/>
+        <xsd:element ref="dcterms:created" minOccurs="0" maxOccurs="1"/>
+        <xsd:element ref="dc:identifier" minOccurs="0" maxOccurs="1"/>
+        <xsd:element name="contentType" minOccurs="0" maxOccurs="1" type="xsd:string" ma:index="0" ma:displayName="Tipo di contenuto"/>
+        <xsd:element ref="dc:title" minOccurs="0" maxOccurs="1" ma:index="4" ma:displayName="Titolo"/>
+        <xsd:element ref="dc:subject" minOccurs="0" maxOccurs="1"/>
+        <xsd:element ref="dc:description" minOccurs="0" maxOccurs="1"/>
+        <xsd:element name="keywords" minOccurs="0" maxOccurs="1" type="xsd:string"/>
+        <xsd:element ref="dc:language" minOccurs="0" maxOccurs="1"/>
+        <xsd:element name="category" minOccurs="0" maxOccurs="1" type="xsd:string"/>
+        <xsd:element name="version" minOccurs="0" maxOccurs="1" type="xsd:string"/>
+        <xsd:element name="revision" minOccurs="0" maxOccurs="1" type="xsd:string">
+          <xsd:annotation>
+            <xsd:documentation>
+                        This value indicates the number of saves or revisions. The application is responsible for updating this value after each revision.
+                    </xsd:documentation>
+          </xsd:annotation>
+        </xsd:element>
+        <xsd:element name="lastModifiedBy" minOccurs="0" maxOccurs="1" type="xsd:string"/>
+        <xsd:element ref="dcterms:modified" minOccurs="0" maxOccurs="1"/>
+        <xsd:element name="contentStatus" minOccurs="0" maxOccurs="1" type="xsd:string"/>
+      </xsd:all>
+    </xsd:complexType>
+  </xsd:schema>
+  <xs:schema xmlns:pc="http://schemas.microsoft.com/office/infopath/2007/PartnerControls" xmlns:xs="http://www.w3.org/2001/XMLSchema" targetNamespace="http://schemas.microsoft.com/office/infopath/2007/PartnerControls" elementFormDefault="qualified" attributeFormDefault="unqualified">
+    <xs:element name="Person">
+      <xs:complexType>
+        <xs:sequence>
+          <xs:element ref="pc:DisplayName" minOccurs="0"/>
+          <xs:element ref="pc:AccountId" minOccurs="0"/>
+          <xs:element ref="pc:AccountType" minOccurs="0"/>
+        </xs:sequence>
+      </xs:complexType>
+    </xs:element>
+    <xs:element name="DisplayName" type="xs:string"/>
+    <xs:element name="AccountId" type="xs:string"/>
+    <xs:element name="AccountType" type="xs:string"/>
+    <xs:element name="BDCAssociatedEntity">
+      <xs:complexType>
+        <xs:sequence>
+          <xs:element ref="pc:BDCEntity" minOccurs="0" maxOccurs="unbounded"/>
+        </xs:sequence>
+        <xs:attribute ref="pc:EntityNamespace"/>
+        <xs:attribute ref="pc:EntityName"/>
+        <xs:attribute ref="pc:SystemInstanceName"/>
+        <xs:attribute ref="pc:AssociationName"/>
+      </xs:complexType>
+    </xs:element>
+    <xs:attribute name="EntityNamespace" type="xs:string"/>
+    <xs:attribute name="EntityName" type="xs:string"/>
+    <xs:attribute name="SystemInstanceName" type="xs:string"/>
+    <xs:attribute name="AssociationName" type="xs:string"/>
+    <xs:element name="BDCEntity">
+      <xs:complexType>
+        <xs:sequence>
+          <xs:element ref="pc:EntityDisplayName" minOccurs="0"/>
+          <xs:element ref="pc:EntityInstanceReference" minOccurs="0"/>
+          <xs:element ref="pc:EntityId1" minOccurs="0"/>
+          <xs:element ref="pc:EntityId2" minOccurs="0"/>
+          <xs:element ref="pc:EntityId3" minOccurs="0"/>
+          <xs:element ref="pc:EntityId4" minOccurs="0"/>
+          <xs:element ref="pc:EntityId5" minOccurs="0"/>
+        </xs:sequence>
+      </xs:complexType>
+    </xs:element>
+    <xs:element name="EntityDisplayName" type="xs:string"/>
+    <xs:element name="EntityInstanceReference" type="xs:string"/>
+    <xs:element name="EntityId1" type="xs:string"/>
+    <xs:element name="EntityId2" type="xs:string"/>
+    <xs:element name="EntityId3" type="xs:string"/>
+    <xs:element name="EntityId4" type="xs:string"/>
+    <xs:element name="EntityId5" type="xs:string"/>
+    <xs:element name="Terms">
+      <xs:complexType>
+        <xs:sequence>
+          <xs:element ref="pc:TermInfo" minOccurs="0" maxOccurs="unbounded"/>
+        </xs:sequence>
+      </xs:complexType>
+    </xs:element>
+    <xs:element name="TermInfo">
+      <xs:complexType>
+        <xs:sequence>
+          <xs:element ref="pc:TermName" minOccurs="0"/>
+          <xs:element ref="pc:TermId" minOccurs="0"/>
+        </xs:sequence>
+      </xs:complexType>
+    </xs:element>
+    <xs:element name="TermName" type="xs:string"/>
+    <xs:element name="TermId" type="xs:string"/>
+  </xs:schema>
+</ct:contentTypeSchema>
+</file>
+
+<file path=customXml/item2.xml><?xml version="1.0" encoding="utf-8"?>
+<?mso-contentType ?>
+<FormTemplates xmlns="http://schemas.microsoft.com/sharepoint/v3/contenttype/forms">
+  <Display>DocumentLibraryForm</Display>
+  <Edit>DocumentLibraryForm</Edit>
+  <New>DocumentLibraryForm</New>
+</FormTemplates>
+</file>
+
+<file path=customXml/item3.xml><?xml version="1.0" encoding="utf-8"?>
+<p:properties xmlns:p="http://schemas.microsoft.com/office/2006/metadata/properties" xmlns:xsi="http://www.w3.org/2001/XMLSchema-instance" xmlns:pc="http://schemas.microsoft.com/office/infopath/2007/PartnerControls">
+  <documentManagement>
+    <TaxCatchAll xmlns="e9b5433c-2372-4cb7-8bab-09518096b29b" xsi:nil="true"/>
+    <lcf76f155ced4ddcb4097134ff3c332f xmlns="3bd0d43f-5e5b-43cd-b6fc-691bd77672c6">
+      <Terms xmlns="http://schemas.microsoft.com/office/infopath/2007/PartnerControls"/>
+    </lcf76f155ced4ddcb4097134ff3c332f>
+  </documentManagement>
+</p:properties>
+</file>
+
+<file path=customXml/itemProps1.xml><?xml version="1.0" encoding="utf-8"?>
+<ds:datastoreItem xmlns:ds="http://schemas.openxmlformats.org/officeDocument/2006/customXml" ds:itemID="{3B23B4AD-95C5-4177-9D22-1B7D0726395E}"/>
+</file>
+
+<file path=customXml/itemProps2.xml><?xml version="1.0" encoding="utf-8"?>
+<ds:datastoreItem xmlns:ds="http://schemas.openxmlformats.org/officeDocument/2006/customXml" ds:itemID="{BB3A5482-45D1-4D6B-9384-FC2E29837ACC}"/>
+</file>
+
+<file path=customXml/itemProps3.xml><?xml version="1.0" encoding="utf-8"?>
+<ds:datastoreItem xmlns:ds="http://schemas.openxmlformats.org/officeDocument/2006/customXml" ds:itemID="{2A9A2882-1356-4C48-B0DD-95DC1527B63A}"/>
 </file>